--- a/images/CLAP_preso.pptx
+++ b/images/CLAP_preso.pptx
@@ -7,10 +7,11 @@
   <p:sldIdLst>
     <p:sldId id="256" r:id="rId2"/>
     <p:sldId id="551" r:id="rId3"/>
-    <p:sldId id="552" r:id="rId4"/>
-    <p:sldId id="556" r:id="rId5"/>
-    <p:sldId id="553" r:id="rId6"/>
-    <p:sldId id="554" r:id="rId7"/>
+    <p:sldId id="557" r:id="rId4"/>
+    <p:sldId id="552" r:id="rId5"/>
+    <p:sldId id="556" r:id="rId6"/>
+    <p:sldId id="553" r:id="rId7"/>
+    <p:sldId id="554" r:id="rId8"/>
   </p:sldIdLst>
   <p:sldSz cx="12192000" cy="6858000"/>
   <p:notesSz cx="6858000" cy="9144000"/>
@@ -109,7 +110,316 @@
       </a:defRPr>
     </a:lvl9pPr>
   </p:defaultTextStyle>
+  <p:extLst>
+    <p:ext uri="{EFAFB233-063F-42B5-8137-9DF3F51BA10A}">
+      <p15:sldGuideLst xmlns:p15="http://schemas.microsoft.com/office/powerpoint/2012/main"/>
+    </p:ext>
+  </p:extLst>
 </p:presentation>
+</file>
+
+<file path=ppt/revisionInfo.xml><?xml version="1.0" encoding="utf-8"?>
+<p1510:revInfo xmlns:a="http://schemas.openxmlformats.org/drawingml/2006/main" xmlns:r="http://schemas.openxmlformats.org/officeDocument/2006/relationships" xmlns:p1510="http://schemas.microsoft.com/office/powerpoint/2015/10/main">
+  <p1510:revLst>
+    <p1510:client id="{FA87EAA5-9E1B-6C44-BAAD-BD47D3F864DD}" v="24" dt="2025-02-26T19:59:29.330"/>
+  </p1510:revLst>
+</p1510:revInfo>
+</file>
+
+<file path=ppt/changesInfos/changesInfo1.xml><?xml version="1.0" encoding="utf-8"?>
+<pc:chgInfo xmlns:a="http://schemas.openxmlformats.org/drawingml/2006/main" xmlns:r="http://schemas.openxmlformats.org/officeDocument/2006/relationships" xmlns:ac="http://schemas.microsoft.com/office/drawing/2013/main/command" xmlns:pc="http://schemas.microsoft.com/office/powerpoint/2013/main/command">
+  <pc:docChgLst>
+    <pc:chgData name="Michiel Bontenbal" userId="57333c6a-db0f-4197-a30b-f003c0e68cb1" providerId="ADAL" clId="{FA87EAA5-9E1B-6C44-BAAD-BD47D3F864DD}"/>
+    <pc:docChg chg="undo custSel addSld modSld">
+      <pc:chgData name="Michiel Bontenbal" userId="57333c6a-db0f-4197-a30b-f003c0e68cb1" providerId="ADAL" clId="{FA87EAA5-9E1B-6C44-BAAD-BD47D3F864DD}" dt="2025-02-26T19:59:44.668" v="235" actId="1076"/>
+      <pc:docMkLst>
+        <pc:docMk/>
+      </pc:docMkLst>
+      <pc:sldChg chg="addSp delSp modSp mod addAnim delAnim modShow">
+        <pc:chgData name="Michiel Bontenbal" userId="57333c6a-db0f-4197-a30b-f003c0e68cb1" providerId="ADAL" clId="{FA87EAA5-9E1B-6C44-BAAD-BD47D3F864DD}" dt="2025-02-26T19:56:46.953" v="221" actId="729"/>
+        <pc:sldMkLst>
+          <pc:docMk/>
+          <pc:sldMk cId="3894108369" sldId="551"/>
+        </pc:sldMkLst>
+        <pc:spChg chg="mod">
+          <ac:chgData name="Michiel Bontenbal" userId="57333c6a-db0f-4197-a30b-f003c0e68cb1" providerId="ADAL" clId="{FA87EAA5-9E1B-6C44-BAAD-BD47D3F864DD}" dt="2025-02-26T19:51:02.811" v="171" actId="1076"/>
+          <ac:spMkLst>
+            <pc:docMk/>
+            <pc:sldMk cId="3894108369" sldId="551"/>
+            <ac:spMk id="4" creationId="{BDFC37FB-07E5-DF12-40C1-EA6B94BBF23E}"/>
+          </ac:spMkLst>
+        </pc:spChg>
+        <pc:picChg chg="add del mod">
+          <ac:chgData name="Michiel Bontenbal" userId="57333c6a-db0f-4197-a30b-f003c0e68cb1" providerId="ADAL" clId="{FA87EAA5-9E1B-6C44-BAAD-BD47D3F864DD}" dt="2025-02-26T19:51:54.009" v="174" actId="21"/>
+          <ac:picMkLst>
+            <pc:docMk/>
+            <pc:sldMk cId="3894108369" sldId="551"/>
+            <ac:picMk id="3" creationId="{901D7160-A0D7-BE4F-280F-D1F737D40C30}"/>
+          </ac:picMkLst>
+        </pc:picChg>
+        <pc:picChg chg="add del">
+          <ac:chgData name="Michiel Bontenbal" userId="57333c6a-db0f-4197-a30b-f003c0e68cb1" providerId="ADAL" clId="{FA87EAA5-9E1B-6C44-BAAD-BD47D3F864DD}" dt="2025-02-26T19:56:33.750" v="219" actId="478"/>
+          <ac:picMkLst>
+            <pc:docMk/>
+            <pc:sldMk cId="3894108369" sldId="551"/>
+            <ac:picMk id="8" creationId="{40A70EF1-E993-760F-8ED9-50DBBD34070F}"/>
+          </ac:picMkLst>
+        </pc:picChg>
+      </pc:sldChg>
+      <pc:sldChg chg="addSp delSp modSp mod delAnim modAnim">
+        <pc:chgData name="Michiel Bontenbal" userId="57333c6a-db0f-4197-a30b-f003c0e68cb1" providerId="ADAL" clId="{FA87EAA5-9E1B-6C44-BAAD-BD47D3F864DD}" dt="2025-02-26T19:53:30.745" v="181" actId="1076"/>
+        <pc:sldMkLst>
+          <pc:docMk/>
+          <pc:sldMk cId="103388893" sldId="552"/>
+        </pc:sldMkLst>
+        <pc:spChg chg="mod">
+          <ac:chgData name="Michiel Bontenbal" userId="57333c6a-db0f-4197-a30b-f003c0e68cb1" providerId="ADAL" clId="{FA87EAA5-9E1B-6C44-BAAD-BD47D3F864DD}" dt="2025-02-26T19:43:42.357" v="99" actId="20577"/>
+          <ac:spMkLst>
+            <pc:docMk/>
+            <pc:sldMk cId="103388893" sldId="552"/>
+            <ac:spMk id="2" creationId="{D6FE97AE-34FA-79EB-9EA5-6722D019C078}"/>
+          </ac:spMkLst>
+        </pc:spChg>
+        <pc:spChg chg="mod">
+          <ac:chgData name="Michiel Bontenbal" userId="57333c6a-db0f-4197-a30b-f003c0e68cb1" providerId="ADAL" clId="{FA87EAA5-9E1B-6C44-BAAD-BD47D3F864DD}" dt="2025-02-26T19:52:15.243" v="176" actId="207"/>
+          <ac:spMkLst>
+            <pc:docMk/>
+            <pc:sldMk cId="103388893" sldId="552"/>
+            <ac:spMk id="7" creationId="{D0A7572A-A12C-0251-E2AB-90E269D0F65D}"/>
+          </ac:spMkLst>
+        </pc:spChg>
+        <pc:spChg chg="mod">
+          <ac:chgData name="Michiel Bontenbal" userId="57333c6a-db0f-4197-a30b-f003c0e68cb1" providerId="ADAL" clId="{FA87EAA5-9E1B-6C44-BAAD-BD47D3F864DD}" dt="2025-02-26T19:52:18.881" v="177" actId="207"/>
+          <ac:spMkLst>
+            <pc:docMk/>
+            <pc:sldMk cId="103388893" sldId="552"/>
+            <ac:spMk id="13" creationId="{B64C9B1F-DE54-28CC-C192-2619A87BFE7D}"/>
+          </ac:spMkLst>
+        </pc:spChg>
+        <pc:picChg chg="mod">
+          <ac:chgData name="Michiel Bontenbal" userId="57333c6a-db0f-4197-a30b-f003c0e68cb1" providerId="ADAL" clId="{FA87EAA5-9E1B-6C44-BAAD-BD47D3F864DD}" dt="2025-02-26T19:41:27.705" v="1" actId="207"/>
+          <ac:picMkLst>
+            <pc:docMk/>
+            <pc:sldMk cId="103388893" sldId="552"/>
+            <ac:picMk id="3" creationId="{7D1357F3-BEA5-7A51-FC8F-70A013870EAD}"/>
+          </ac:picMkLst>
+        </pc:picChg>
+        <pc:picChg chg="add del mod">
+          <ac:chgData name="Michiel Bontenbal" userId="57333c6a-db0f-4197-a30b-f003c0e68cb1" providerId="ADAL" clId="{FA87EAA5-9E1B-6C44-BAAD-BD47D3F864DD}" dt="2025-02-26T19:48:28.918" v="102" actId="478"/>
+          <ac:picMkLst>
+            <pc:docMk/>
+            <pc:sldMk cId="103388893" sldId="552"/>
+            <ac:picMk id="14" creationId="{D26B6FCA-7F0A-E527-7391-F987B810E94A}"/>
+          </ac:picMkLst>
+        </pc:picChg>
+        <pc:picChg chg="del mod">
+          <ac:chgData name="Michiel Bontenbal" userId="57333c6a-db0f-4197-a30b-f003c0e68cb1" providerId="ADAL" clId="{FA87EAA5-9E1B-6C44-BAAD-BD47D3F864DD}" dt="2025-02-26T19:42:07.606" v="3" actId="478"/>
+          <ac:picMkLst>
+            <pc:docMk/>
+            <pc:sldMk cId="103388893" sldId="552"/>
+            <ac:picMk id="15" creationId="{6E365A98-40BE-48CD-C0A6-2A34129E520C}"/>
+          </ac:picMkLst>
+        </pc:picChg>
+        <pc:picChg chg="add mod">
+          <ac:chgData name="Michiel Bontenbal" userId="57333c6a-db0f-4197-a30b-f003c0e68cb1" providerId="ADAL" clId="{FA87EAA5-9E1B-6C44-BAAD-BD47D3F864DD}" dt="2025-02-26T19:53:30.745" v="181" actId="1076"/>
+          <ac:picMkLst>
+            <pc:docMk/>
+            <pc:sldMk cId="103388893" sldId="552"/>
+            <ac:picMk id="16" creationId="{14D41216-DC31-B295-1BE8-8E539AAD200E}"/>
+          </ac:picMkLst>
+        </pc:picChg>
+      </pc:sldChg>
+      <pc:sldChg chg="addSp delSp modSp mod delAnim">
+        <pc:chgData name="Michiel Bontenbal" userId="57333c6a-db0f-4197-a30b-f003c0e68cb1" providerId="ADAL" clId="{FA87EAA5-9E1B-6C44-BAAD-BD47D3F864DD}" dt="2025-02-26T19:55:06.002" v="209" actId="1076"/>
+        <pc:sldMkLst>
+          <pc:docMk/>
+          <pc:sldMk cId="3701220074" sldId="553"/>
+        </pc:sldMkLst>
+        <pc:picChg chg="add mod">
+          <ac:chgData name="Michiel Bontenbal" userId="57333c6a-db0f-4197-a30b-f003c0e68cb1" providerId="ADAL" clId="{FA87EAA5-9E1B-6C44-BAAD-BD47D3F864DD}" dt="2025-02-26T19:55:06.002" v="209" actId="1076"/>
+          <ac:picMkLst>
+            <pc:docMk/>
+            <pc:sldMk cId="3701220074" sldId="553"/>
+            <ac:picMk id="12" creationId="{CC2343DE-DCEE-C7B9-C36A-D920A8D631B4}"/>
+          </ac:picMkLst>
+        </pc:picChg>
+        <pc:picChg chg="del">
+          <ac:chgData name="Michiel Bontenbal" userId="57333c6a-db0f-4197-a30b-f003c0e68cb1" providerId="ADAL" clId="{FA87EAA5-9E1B-6C44-BAAD-BD47D3F864DD}" dt="2025-02-26T19:54:44.568" v="204" actId="478"/>
+          <ac:picMkLst>
+            <pc:docMk/>
+            <pc:sldMk cId="3701220074" sldId="553"/>
+            <ac:picMk id="13" creationId="{D9325E5A-0C80-2D25-5334-F1505EE9C686}"/>
+          </ac:picMkLst>
+        </pc:picChg>
+        <pc:picChg chg="del">
+          <ac:chgData name="Michiel Bontenbal" userId="57333c6a-db0f-4197-a30b-f003c0e68cb1" providerId="ADAL" clId="{FA87EAA5-9E1B-6C44-BAAD-BD47D3F864DD}" dt="2025-02-26T19:54:46.086" v="205" actId="478"/>
+          <ac:picMkLst>
+            <pc:docMk/>
+            <pc:sldMk cId="3701220074" sldId="553"/>
+            <ac:picMk id="14" creationId="{BC35CFD6-4012-4F6F-2A8E-46FE333BC1C9}"/>
+          </ac:picMkLst>
+        </pc:picChg>
+        <pc:picChg chg="add mod">
+          <ac:chgData name="Michiel Bontenbal" userId="57333c6a-db0f-4197-a30b-f003c0e68cb1" providerId="ADAL" clId="{FA87EAA5-9E1B-6C44-BAAD-BD47D3F864DD}" dt="2025-02-26T19:54:47.607" v="206"/>
+          <ac:picMkLst>
+            <pc:docMk/>
+            <pc:sldMk cId="3701220074" sldId="553"/>
+            <ac:picMk id="15" creationId="{262F3008-096C-6A96-4F0F-EBA5E87D02F8}"/>
+          </ac:picMkLst>
+        </pc:picChg>
+      </pc:sldChg>
+      <pc:sldChg chg="addSp delSp modSp mod delAnim modAnim">
+        <pc:chgData name="Michiel Bontenbal" userId="57333c6a-db0f-4197-a30b-f003c0e68cb1" providerId="ADAL" clId="{FA87EAA5-9E1B-6C44-BAAD-BD47D3F864DD}" dt="2025-02-26T19:59:44.668" v="235" actId="1076"/>
+        <pc:sldMkLst>
+          <pc:docMk/>
+          <pc:sldMk cId="3158416259" sldId="554"/>
+        </pc:sldMkLst>
+        <pc:spChg chg="mod">
+          <ac:chgData name="Michiel Bontenbal" userId="57333c6a-db0f-4197-a30b-f003c0e68cb1" providerId="ADAL" clId="{FA87EAA5-9E1B-6C44-BAAD-BD47D3F864DD}" dt="2025-02-26T19:56:10.278" v="217" actId="20577"/>
+          <ac:spMkLst>
+            <pc:docMk/>
+            <pc:sldMk cId="3158416259" sldId="554"/>
+            <ac:spMk id="3" creationId="{1A8177A1-7E5B-0146-F44B-C678AF12BD8C}"/>
+          </ac:spMkLst>
+        </pc:spChg>
+        <pc:picChg chg="del">
+          <ac:chgData name="Michiel Bontenbal" userId="57333c6a-db0f-4197-a30b-f003c0e68cb1" providerId="ADAL" clId="{FA87EAA5-9E1B-6C44-BAAD-BD47D3F864DD}" dt="2025-02-26T19:59:28.012" v="229" actId="478"/>
+          <ac:picMkLst>
+            <pc:docMk/>
+            <pc:sldMk cId="3158416259" sldId="554"/>
+            <ac:picMk id="10" creationId="{C7288E36-7B3D-DCA8-C81F-9E106C2C8227}"/>
+          </ac:picMkLst>
+        </pc:picChg>
+        <pc:picChg chg="add mod">
+          <ac:chgData name="Michiel Bontenbal" userId="57333c6a-db0f-4197-a30b-f003c0e68cb1" providerId="ADAL" clId="{FA87EAA5-9E1B-6C44-BAAD-BD47D3F864DD}" dt="2025-02-26T19:59:44.668" v="235" actId="1076"/>
+          <ac:picMkLst>
+            <pc:docMk/>
+            <pc:sldMk cId="3158416259" sldId="554"/>
+            <ac:picMk id="11" creationId="{5DD353DD-BB38-DB49-BEEE-ECA836282635}"/>
+          </ac:picMkLst>
+        </pc:picChg>
+      </pc:sldChg>
+      <pc:sldChg chg="addSp delSp modSp mod delAnim modShow">
+        <pc:chgData name="Michiel Bontenbal" userId="57333c6a-db0f-4197-a30b-f003c0e68cb1" providerId="ADAL" clId="{FA87EAA5-9E1B-6C44-BAAD-BD47D3F864DD}" dt="2025-02-26T19:54:39.528" v="203" actId="1076"/>
+        <pc:sldMkLst>
+          <pc:docMk/>
+          <pc:sldMk cId="1530750576" sldId="556"/>
+        </pc:sldMkLst>
+        <pc:picChg chg="add mod">
+          <ac:chgData name="Michiel Bontenbal" userId="57333c6a-db0f-4197-a30b-f003c0e68cb1" providerId="ADAL" clId="{FA87EAA5-9E1B-6C44-BAAD-BD47D3F864DD}" dt="2025-02-26T19:54:24.879" v="197" actId="1037"/>
+          <ac:picMkLst>
+            <pc:docMk/>
+            <pc:sldMk cId="1530750576" sldId="556"/>
+            <ac:picMk id="10" creationId="{4032D466-F46F-0825-D90E-536D23F6C49A}"/>
+          </ac:picMkLst>
+        </pc:picChg>
+        <pc:picChg chg="add mod">
+          <ac:chgData name="Michiel Bontenbal" userId="57333c6a-db0f-4197-a30b-f003c0e68cb1" providerId="ADAL" clId="{FA87EAA5-9E1B-6C44-BAAD-BD47D3F864DD}" dt="2025-02-26T19:54:26.803" v="199" actId="1036"/>
+          <ac:picMkLst>
+            <pc:docMk/>
+            <pc:sldMk cId="1530750576" sldId="556"/>
+            <ac:picMk id="11" creationId="{9FC245B8-308C-445D-1726-3F637ACA9995}"/>
+          </ac:picMkLst>
+        </pc:picChg>
+        <pc:picChg chg="add del mod">
+          <ac:chgData name="Michiel Bontenbal" userId="57333c6a-db0f-4197-a30b-f003c0e68cb1" providerId="ADAL" clId="{FA87EAA5-9E1B-6C44-BAAD-BD47D3F864DD}" dt="2025-02-26T19:54:18.666" v="194" actId="478"/>
+          <ac:picMkLst>
+            <pc:docMk/>
+            <pc:sldMk cId="1530750576" sldId="556"/>
+            <ac:picMk id="12" creationId="{EF4CD30E-B9D4-E00C-1378-BCF997546954}"/>
+          </ac:picMkLst>
+        </pc:picChg>
+        <pc:picChg chg="del">
+          <ac:chgData name="Michiel Bontenbal" userId="57333c6a-db0f-4197-a30b-f003c0e68cb1" providerId="ADAL" clId="{FA87EAA5-9E1B-6C44-BAAD-BD47D3F864DD}" dt="2025-02-26T19:53:48.218" v="182" actId="478"/>
+          <ac:picMkLst>
+            <pc:docMk/>
+            <pc:sldMk cId="1530750576" sldId="556"/>
+            <ac:picMk id="13" creationId="{0100AF63-63B3-B965-32FE-B10A740AE095}"/>
+          </ac:picMkLst>
+        </pc:picChg>
+        <pc:picChg chg="del">
+          <ac:chgData name="Michiel Bontenbal" userId="57333c6a-db0f-4197-a30b-f003c0e68cb1" providerId="ADAL" clId="{FA87EAA5-9E1B-6C44-BAAD-BD47D3F864DD}" dt="2025-02-26T19:53:51.279" v="184" actId="478"/>
+          <ac:picMkLst>
+            <pc:docMk/>
+            <pc:sldMk cId="1530750576" sldId="556"/>
+            <ac:picMk id="14" creationId="{1F8A3287-7E82-A5D0-9682-6EA0986B7BB5}"/>
+          </ac:picMkLst>
+        </pc:picChg>
+        <pc:picChg chg="del">
+          <ac:chgData name="Michiel Bontenbal" userId="57333c6a-db0f-4197-a30b-f003c0e68cb1" providerId="ADAL" clId="{FA87EAA5-9E1B-6C44-BAAD-BD47D3F864DD}" dt="2025-02-26T19:53:49.797" v="183" actId="478"/>
+          <ac:picMkLst>
+            <pc:docMk/>
+            <pc:sldMk cId="1530750576" sldId="556"/>
+            <ac:picMk id="15" creationId="{B682BC8C-81E0-0EC6-8932-60B0226E375E}"/>
+          </ac:picMkLst>
+        </pc:picChg>
+        <pc:picChg chg="del">
+          <ac:chgData name="Michiel Bontenbal" userId="57333c6a-db0f-4197-a30b-f003c0e68cb1" providerId="ADAL" clId="{FA87EAA5-9E1B-6C44-BAAD-BD47D3F864DD}" dt="2025-02-26T19:53:54.861" v="185" actId="478"/>
+          <ac:picMkLst>
+            <pc:docMk/>
+            <pc:sldMk cId="1530750576" sldId="556"/>
+            <ac:picMk id="18" creationId="{B5BEA4FC-7748-4CD4-0CFD-3A42ADCA5D78}"/>
+          </ac:picMkLst>
+        </pc:picChg>
+        <pc:picChg chg="add del mod">
+          <ac:chgData name="Michiel Bontenbal" userId="57333c6a-db0f-4197-a30b-f003c0e68cb1" providerId="ADAL" clId="{FA87EAA5-9E1B-6C44-BAAD-BD47D3F864DD}" dt="2025-02-26T19:54:16.862" v="193" actId="478"/>
+          <ac:picMkLst>
+            <pc:docMk/>
+            <pc:sldMk cId="1530750576" sldId="556"/>
+            <ac:picMk id="19" creationId="{A15FA23D-FCA0-1326-89BA-BA59CD01FF07}"/>
+          </ac:picMkLst>
+        </pc:picChg>
+        <pc:picChg chg="add mod">
+          <ac:chgData name="Michiel Bontenbal" userId="57333c6a-db0f-4197-a30b-f003c0e68cb1" providerId="ADAL" clId="{FA87EAA5-9E1B-6C44-BAAD-BD47D3F864DD}" dt="2025-02-26T19:54:36.606" v="202" actId="1076"/>
+          <ac:picMkLst>
+            <pc:docMk/>
+            <pc:sldMk cId="1530750576" sldId="556"/>
+            <ac:picMk id="20" creationId="{4AB3CBD9-D3F8-A959-B2A8-9026DDDA9602}"/>
+          </ac:picMkLst>
+        </pc:picChg>
+        <pc:picChg chg="add mod">
+          <ac:chgData name="Michiel Bontenbal" userId="57333c6a-db0f-4197-a30b-f003c0e68cb1" providerId="ADAL" clId="{FA87EAA5-9E1B-6C44-BAAD-BD47D3F864DD}" dt="2025-02-26T19:54:39.528" v="203" actId="1076"/>
+          <ac:picMkLst>
+            <pc:docMk/>
+            <pc:sldMk cId="1530750576" sldId="556"/>
+            <ac:picMk id="21" creationId="{197EAF50-EA16-1940-DD88-BDB405C9D54A}"/>
+          </ac:picMkLst>
+        </pc:picChg>
+      </pc:sldChg>
+      <pc:sldChg chg="addSp delSp modSp add mod delAnim modAnim">
+        <pc:chgData name="Michiel Bontenbal" userId="57333c6a-db0f-4197-a30b-f003c0e68cb1" providerId="ADAL" clId="{FA87EAA5-9E1B-6C44-BAAD-BD47D3F864DD}" dt="2025-02-26T19:57:16.803" v="228"/>
+        <pc:sldMkLst>
+          <pc:docMk/>
+          <pc:sldMk cId="713330351" sldId="557"/>
+        </pc:sldMkLst>
+        <pc:spChg chg="mod">
+          <ac:chgData name="Michiel Bontenbal" userId="57333c6a-db0f-4197-a30b-f003c0e68cb1" providerId="ADAL" clId="{FA87EAA5-9E1B-6C44-BAAD-BD47D3F864DD}" dt="2025-02-26T19:57:06.790" v="227" actId="1076"/>
+          <ac:spMkLst>
+            <pc:docMk/>
+            <pc:sldMk cId="713330351" sldId="557"/>
+            <ac:spMk id="5" creationId="{6ABAB4DF-FE96-702C-A4FE-F9F9C5BE653D}"/>
+          </ac:spMkLst>
+        </pc:spChg>
+        <pc:picChg chg="add mod">
+          <ac:chgData name="Michiel Bontenbal" userId="57333c6a-db0f-4197-a30b-f003c0e68cb1" providerId="ADAL" clId="{FA87EAA5-9E1B-6C44-BAAD-BD47D3F864DD}" dt="2025-02-26T19:57:03.268" v="226" actId="1076"/>
+          <ac:picMkLst>
+            <pc:docMk/>
+            <pc:sldMk cId="713330351" sldId="557"/>
+            <ac:picMk id="2" creationId="{D6A9E0F6-31F8-0E3B-2541-0232275B2D56}"/>
+          </ac:picMkLst>
+        </pc:picChg>
+        <pc:picChg chg="del">
+          <ac:chgData name="Michiel Bontenbal" userId="57333c6a-db0f-4197-a30b-f003c0e68cb1" providerId="ADAL" clId="{FA87EAA5-9E1B-6C44-BAAD-BD47D3F864DD}" dt="2025-02-26T19:56:49.181" v="222" actId="478"/>
+          <ac:picMkLst>
+            <pc:docMk/>
+            <pc:sldMk cId="713330351" sldId="557"/>
+            <ac:picMk id="8" creationId="{37118012-4E8A-623A-3343-ED600639A663}"/>
+          </ac:picMkLst>
+        </pc:picChg>
+      </pc:sldChg>
+    </pc:docChg>
+  </pc:docChgLst>
+</pc:chgInfo>
 </file>
 
 <file path=ppt/slideLayouts/slideLayout1.xml><?xml version="1.0" encoding="utf-8"?>
@@ -261,7 +571,7 @@
           <a:p>
             <a:fld id="{2ED51A7A-A0CB-E84F-A3FB-40ACEA03344E}" type="datetimeFigureOut">
               <a:rPr lang="en-NL" smtClean="0"/>
-              <a:t>16/01/2025</a:t>
+              <a:t>26/02/2025</a:t>
             </a:fld>
             <a:endParaRPr lang="en-NL"/>
           </a:p>
@@ -461,7 +771,7 @@
           <a:p>
             <a:fld id="{2ED51A7A-A0CB-E84F-A3FB-40ACEA03344E}" type="datetimeFigureOut">
               <a:rPr lang="en-NL" smtClean="0"/>
-              <a:t>16/01/2025</a:t>
+              <a:t>26/02/2025</a:t>
             </a:fld>
             <a:endParaRPr lang="en-NL"/>
           </a:p>
@@ -671,7 +981,7 @@
           <a:p>
             <a:fld id="{2ED51A7A-A0CB-E84F-A3FB-40ACEA03344E}" type="datetimeFigureOut">
               <a:rPr lang="en-NL" smtClean="0"/>
-              <a:t>16/01/2025</a:t>
+              <a:t>26/02/2025</a:t>
             </a:fld>
             <a:endParaRPr lang="en-NL"/>
           </a:p>
@@ -871,7 +1181,7 @@
           <a:p>
             <a:fld id="{2ED51A7A-A0CB-E84F-A3FB-40ACEA03344E}" type="datetimeFigureOut">
               <a:rPr lang="en-NL" smtClean="0"/>
-              <a:t>16/01/2025</a:t>
+              <a:t>26/02/2025</a:t>
             </a:fld>
             <a:endParaRPr lang="en-NL"/>
           </a:p>
@@ -1147,7 +1457,7 @@
           <a:p>
             <a:fld id="{2ED51A7A-A0CB-E84F-A3FB-40ACEA03344E}" type="datetimeFigureOut">
               <a:rPr lang="en-NL" smtClean="0"/>
-              <a:t>16/01/2025</a:t>
+              <a:t>26/02/2025</a:t>
             </a:fld>
             <a:endParaRPr lang="en-NL"/>
           </a:p>
@@ -1415,7 +1725,7 @@
           <a:p>
             <a:fld id="{2ED51A7A-A0CB-E84F-A3FB-40ACEA03344E}" type="datetimeFigureOut">
               <a:rPr lang="en-NL" smtClean="0"/>
-              <a:t>16/01/2025</a:t>
+              <a:t>26/02/2025</a:t>
             </a:fld>
             <a:endParaRPr lang="en-NL"/>
           </a:p>
@@ -1830,7 +2140,7 @@
           <a:p>
             <a:fld id="{2ED51A7A-A0CB-E84F-A3FB-40ACEA03344E}" type="datetimeFigureOut">
               <a:rPr lang="en-NL" smtClean="0"/>
-              <a:t>16/01/2025</a:t>
+              <a:t>26/02/2025</a:t>
             </a:fld>
             <a:endParaRPr lang="en-NL"/>
           </a:p>
@@ -1972,7 +2282,7 @@
           <a:p>
             <a:fld id="{2ED51A7A-A0CB-E84F-A3FB-40ACEA03344E}" type="datetimeFigureOut">
               <a:rPr lang="en-NL" smtClean="0"/>
-              <a:t>16/01/2025</a:t>
+              <a:t>26/02/2025</a:t>
             </a:fld>
             <a:endParaRPr lang="en-NL"/>
           </a:p>
@@ -2085,7 +2395,7 @@
           <a:p>
             <a:fld id="{2ED51A7A-A0CB-E84F-A3FB-40ACEA03344E}" type="datetimeFigureOut">
               <a:rPr lang="en-NL" smtClean="0"/>
-              <a:t>16/01/2025</a:t>
+              <a:t>26/02/2025</a:t>
             </a:fld>
             <a:endParaRPr lang="en-NL"/>
           </a:p>
@@ -2398,7 +2708,7 @@
           <a:p>
             <a:fld id="{2ED51A7A-A0CB-E84F-A3FB-40ACEA03344E}" type="datetimeFigureOut">
               <a:rPr lang="en-NL" smtClean="0"/>
-              <a:t>16/01/2025</a:t>
+              <a:t>26/02/2025</a:t>
             </a:fld>
             <a:endParaRPr lang="en-NL"/>
           </a:p>
@@ -2687,7 +2997,7 @@
           <a:p>
             <a:fld id="{2ED51A7A-A0CB-E84F-A3FB-40ACEA03344E}" type="datetimeFigureOut">
               <a:rPr lang="en-NL" smtClean="0"/>
-              <a:t>16/01/2025</a:t>
+              <a:t>26/02/2025</a:t>
             </a:fld>
             <a:endParaRPr lang="en-NL"/>
           </a:p>
@@ -2930,7 +3240,7 @@
           <a:p>
             <a:fld id="{2ED51A7A-A0CB-E84F-A3FB-40ACEA03344E}" type="datetimeFigureOut">
               <a:rPr lang="en-NL" smtClean="0"/>
-              <a:t>16/01/2025</a:t>
+              <a:t>26/02/2025</a:t>
             </a:fld>
             <a:endParaRPr lang="en-NL"/>
           </a:p>
@@ -3419,7 +3729,7 @@
 </file>
 
 <file path=ppt/slides/slide2.xml><?xml version="1.0" encoding="utf-8"?>
-<p:sld xmlns:a="http://schemas.openxmlformats.org/drawingml/2006/main" xmlns:r="http://schemas.openxmlformats.org/officeDocument/2006/relationships" xmlns:p="http://schemas.openxmlformats.org/presentationml/2006/main">
+<p:sld xmlns:a="http://schemas.openxmlformats.org/drawingml/2006/main" xmlns:r="http://schemas.openxmlformats.org/officeDocument/2006/relationships" xmlns:p="http://schemas.openxmlformats.org/presentationml/2006/main" show="0">
   <p:cSld>
     <p:spTree>
       <p:nvGrpSpPr>
@@ -3451,7 +3761,7 @@
         </p:nvSpPr>
         <p:spPr>
           <a:xfrm>
-            <a:off x="611620" y="1144813"/>
+            <a:off x="611620" y="881431"/>
             <a:ext cx="11760201" cy="1477810"/>
           </a:xfrm>
           <a:prstGeom prst="rect">
@@ -3488,7 +3798,7 @@
                   <a:srgbClr val="002060"/>
                 </a:solidFill>
               </a:rPr>
-              <a:t>How can computers find this relationship?</a:t>
+              <a:t>How can computers find the relationship between an audio sample and a given label?</a:t>
             </a:r>
           </a:p>
         </p:txBody>
@@ -3520,7 +3830,7 @@
           </a:ln>
           <a:extLst>
             <a:ext uri="{C572A759-6A51-4108-AA02-DFA0A04FC94B}">
-              <ma14:wrappingTextBoxFlag xmlns:ma14="http://schemas.microsoft.com/office/mac/drawingml/2011/main" xmlns:a14="http://schemas.microsoft.com/office/drawing/2010/main" xmlns:m="http://schemas.openxmlformats.org/officeDocument/2006/math" xmlns="" val="1"/>
+              <ma14:wrappingTextBoxFlag xmlns="" xmlns:m="http://schemas.openxmlformats.org/officeDocument/2006/math" xmlns:a14="http://schemas.microsoft.com/office/drawing/2010/main" xmlns:ma14="http://schemas.microsoft.com/office/mac/drawingml/2011/main" val="1"/>
             </a:ext>
           </a:extLst>
         </p:spPr>
@@ -4282,6 +4592,858 @@
   <p:cSld>
     <p:spTree>
       <p:nvGrpSpPr>
+        <p:cNvPr id="1" name="">
+          <a:extLst>
+            <a:ext uri="{FF2B5EF4-FFF2-40B4-BE49-F238E27FC236}">
+              <a16:creationId xmlns:a16="http://schemas.microsoft.com/office/drawing/2014/main" id="{03165EA0-33AC-6F82-2949-666DD055B30A}"/>
+            </a:ext>
+          </a:extLst>
+        </p:cNvPr>
+        <p:cNvGrpSpPr/>
+        <p:nvPr/>
+      </p:nvGrpSpPr>
+      <p:grpSpPr>
+        <a:xfrm>
+          <a:off x="0" y="0"/>
+          <a:ext cx="0" cy="0"/>
+          <a:chOff x="0" y="0"/>
+          <a:chExt cx="0" cy="0"/>
+        </a:xfrm>
+      </p:grpSpPr>
+      <p:sp>
+        <p:nvSpPr>
+          <p:cNvPr id="4" name="Title 1">
+            <a:extLst>
+              <a:ext uri="{FF2B5EF4-FFF2-40B4-BE49-F238E27FC236}">
+                <a16:creationId xmlns:a16="http://schemas.microsoft.com/office/drawing/2014/main" id="{E039F677-3CF0-77B9-B375-DA42B1B41B1F}"/>
+              </a:ext>
+            </a:extLst>
+          </p:cNvPr>
+          <p:cNvSpPr txBox="1">
+            <a:spLocks/>
+          </p:cNvSpPr>
+          <p:nvPr/>
+        </p:nvSpPr>
+        <p:spPr>
+          <a:xfrm>
+            <a:off x="611620" y="881431"/>
+            <a:ext cx="11760201" cy="1477810"/>
+          </a:xfrm>
+          <a:prstGeom prst="rect">
+            <a:avLst/>
+          </a:prstGeom>
+        </p:spPr>
+        <p:txBody>
+          <a:bodyPr vert="horz" lIns="91440" tIns="45720" rIns="91440" bIns="45720" rtlCol="0" anchor="ctr">
+            <a:normAutofit/>
+          </a:bodyPr>
+          <a:lstStyle>
+            <a:lvl1pPr algn="l" defTabSz="914400" rtl="0" eaLnBrk="1" latinLnBrk="0" hangingPunct="1">
+              <a:lnSpc>
+                <a:spcPct val="90000"/>
+              </a:lnSpc>
+              <a:spcBef>
+                <a:spcPct val="0"/>
+              </a:spcBef>
+              <a:buNone/>
+              <a:defRPr sz="4400" kern="1200">
+                <a:solidFill>
+                  <a:schemeClr val="tx1"/>
+                </a:solidFill>
+                <a:latin typeface="+mj-lt"/>
+                <a:ea typeface="+mj-ea"/>
+                <a:cs typeface="+mj-cs"/>
+              </a:defRPr>
+            </a:lvl1pPr>
+          </a:lstStyle>
+          <a:p>
+            <a:r>
+              <a:rPr lang="en-NL" dirty="0">
+                <a:solidFill>
+                  <a:srgbClr val="002060"/>
+                </a:solidFill>
+              </a:rPr>
+              <a:t>How can computers find the relationship between an audio sample and a given label?</a:t>
+            </a:r>
+          </a:p>
+        </p:txBody>
+      </p:sp>
+      <p:sp>
+        <p:nvSpPr>
+          <p:cNvPr id="5" name="Text Placeholder 2">
+            <a:extLst>
+              <a:ext uri="{FF2B5EF4-FFF2-40B4-BE49-F238E27FC236}">
+                <a16:creationId xmlns:a16="http://schemas.microsoft.com/office/drawing/2014/main" id="{6ABAB4DF-FE96-702C-A4FE-F9F9C5BE653D}"/>
+              </a:ext>
+            </a:extLst>
+          </p:cNvPr>
+          <p:cNvSpPr txBox="1">
+            <a:spLocks/>
+          </p:cNvSpPr>
+          <p:nvPr/>
+        </p:nvSpPr>
+        <p:spPr>
+          <a:xfrm>
+            <a:off x="5607666" y="3526971"/>
+            <a:ext cx="1937328" cy="624416"/>
+          </a:xfrm>
+          <a:prstGeom prst="rect">
+            <a:avLst/>
+          </a:prstGeom>
+          <a:ln w="12700">
+            <a:miter lim="400000"/>
+          </a:ln>
+          <a:extLst>
+            <a:ext uri="{C572A759-6A51-4108-AA02-DFA0A04FC94B}">
+              <ma14:wrappingTextBoxFlag xmlns="" xmlns:m="http://schemas.openxmlformats.org/officeDocument/2006/math" xmlns:a14="http://schemas.microsoft.com/office/drawing/2010/main" xmlns:ma14="http://schemas.microsoft.com/office/mac/drawingml/2011/main" val="1"/>
+            </a:ext>
+          </a:extLst>
+        </p:spPr>
+        <p:txBody>
+          <a:bodyPr lIns="0" tIns="0" rIns="0" bIns="0">
+            <a:normAutofit/>
+          </a:bodyPr>
+          <a:lstStyle>
+            <a:lvl1pPr marL="575999" marR="0" indent="-575999" algn="l" defTabSz="914400" latinLnBrk="0">
+              <a:lnSpc>
+                <a:spcPct val="114000"/>
+              </a:lnSpc>
+              <a:spcBef>
+                <a:spcPts val="0"/>
+              </a:spcBef>
+              <a:spcAft>
+                <a:spcPts val="0"/>
+              </a:spcAft>
+              <a:buClr>
+                <a:srgbClr val="25167A"/>
+              </a:buClr>
+              <a:buSzPct val="140000"/>
+              <a:buFont typeface="Arial"/>
+              <a:buChar char="•"/>
+              <a:tabLst/>
+              <a:defRPr sz="3200" b="0" i="0" u="none" strike="noStrike" cap="none" spc="0" baseline="0">
+                <a:solidFill>
+                  <a:srgbClr val="25167A"/>
+                </a:solidFill>
+                <a:uFillTx/>
+                <a:latin typeface="Arial"/>
+                <a:ea typeface="Arial"/>
+                <a:cs typeface="Arial"/>
+                <a:sym typeface="Arial"/>
+              </a:defRPr>
+            </a:lvl1pPr>
+            <a:lvl2pPr marL="791999" marR="0" indent="-575999" algn="l" defTabSz="914400" latinLnBrk="0">
+              <a:lnSpc>
+                <a:spcPct val="114000"/>
+              </a:lnSpc>
+              <a:spcBef>
+                <a:spcPts val="0"/>
+              </a:spcBef>
+              <a:spcAft>
+                <a:spcPts val="0"/>
+              </a:spcAft>
+              <a:buClr>
+                <a:srgbClr val="25167A"/>
+              </a:buClr>
+              <a:buSzPct val="140000"/>
+              <a:buFont typeface="Arial"/>
+              <a:buChar char="•"/>
+              <a:tabLst/>
+              <a:defRPr sz="3200" b="0" i="0" u="none" strike="noStrike" cap="none" spc="0" baseline="0">
+                <a:solidFill>
+                  <a:srgbClr val="25167A"/>
+                </a:solidFill>
+                <a:uFillTx/>
+                <a:latin typeface="Arial"/>
+                <a:ea typeface="Arial"/>
+                <a:cs typeface="Arial"/>
+                <a:sym typeface="Arial"/>
+              </a:defRPr>
+            </a:lvl2pPr>
+            <a:lvl3pPr marL="1007999" marR="0" indent="-575999" algn="l" defTabSz="914400" latinLnBrk="0">
+              <a:lnSpc>
+                <a:spcPct val="114000"/>
+              </a:lnSpc>
+              <a:spcBef>
+                <a:spcPts val="0"/>
+              </a:spcBef>
+              <a:spcAft>
+                <a:spcPts val="0"/>
+              </a:spcAft>
+              <a:buClr>
+                <a:srgbClr val="25167A"/>
+              </a:buClr>
+              <a:buSzPct val="140000"/>
+              <a:buFont typeface="Arial"/>
+              <a:buChar char="•"/>
+              <a:tabLst/>
+              <a:defRPr sz="3200" b="0" i="0" u="none" strike="noStrike" cap="none" spc="0" baseline="0">
+                <a:solidFill>
+                  <a:srgbClr val="25167A"/>
+                </a:solidFill>
+                <a:uFillTx/>
+                <a:latin typeface="Arial"/>
+                <a:ea typeface="Arial"/>
+                <a:cs typeface="Arial"/>
+                <a:sym typeface="Arial"/>
+              </a:defRPr>
+            </a:lvl3pPr>
+            <a:lvl4pPr marL="1223999" marR="0" indent="-575999" algn="l" defTabSz="914400" latinLnBrk="0">
+              <a:lnSpc>
+                <a:spcPct val="114000"/>
+              </a:lnSpc>
+              <a:spcBef>
+                <a:spcPts val="0"/>
+              </a:spcBef>
+              <a:spcAft>
+                <a:spcPts val="0"/>
+              </a:spcAft>
+              <a:buClr>
+                <a:srgbClr val="25167A"/>
+              </a:buClr>
+              <a:buSzPct val="140000"/>
+              <a:buFont typeface="Arial"/>
+              <a:buChar char="•"/>
+              <a:tabLst/>
+              <a:defRPr sz="3200" b="0" i="0" u="none" strike="noStrike" cap="none" spc="0" baseline="0">
+                <a:solidFill>
+                  <a:srgbClr val="25167A"/>
+                </a:solidFill>
+                <a:uFillTx/>
+                <a:latin typeface="Arial"/>
+                <a:ea typeface="Arial"/>
+                <a:cs typeface="Arial"/>
+                <a:sym typeface="Arial"/>
+              </a:defRPr>
+            </a:lvl4pPr>
+            <a:lvl5pPr marL="1439999" marR="0" indent="-575999" algn="l" defTabSz="914400" latinLnBrk="0">
+              <a:lnSpc>
+                <a:spcPct val="114000"/>
+              </a:lnSpc>
+              <a:spcBef>
+                <a:spcPts val="0"/>
+              </a:spcBef>
+              <a:spcAft>
+                <a:spcPts val="0"/>
+              </a:spcAft>
+              <a:buClr>
+                <a:srgbClr val="25167A"/>
+              </a:buClr>
+              <a:buSzPct val="140000"/>
+              <a:buFont typeface="Arial"/>
+              <a:buChar char="•"/>
+              <a:tabLst/>
+              <a:defRPr sz="3200" b="0" i="0" u="none" strike="noStrike" cap="none" spc="0" baseline="0">
+                <a:solidFill>
+                  <a:srgbClr val="25167A"/>
+                </a:solidFill>
+                <a:uFillTx/>
+                <a:latin typeface="Arial"/>
+                <a:ea typeface="Arial"/>
+                <a:cs typeface="Arial"/>
+                <a:sym typeface="Arial"/>
+              </a:defRPr>
+            </a:lvl5pPr>
+            <a:lvl6pPr marL="2217420" marR="0" indent="-502920" algn="l" defTabSz="1285875" latinLnBrk="0">
+              <a:lnSpc>
+                <a:spcPct val="114000"/>
+              </a:lnSpc>
+              <a:spcBef>
+                <a:spcPts val="0"/>
+              </a:spcBef>
+              <a:spcAft>
+                <a:spcPts val="0"/>
+              </a:spcAft>
+              <a:buClrTx/>
+              <a:buSzPct val="100000"/>
+              <a:buFontTx/>
+              <a:buChar char="•"/>
+              <a:tabLst/>
+              <a:defRPr sz="4400" b="0" i="0" u="none" strike="noStrike" cap="none" spc="0" baseline="0">
+                <a:solidFill>
+                  <a:srgbClr val="FFFFFF"/>
+                </a:solidFill>
+                <a:uFillTx/>
+                <a:latin typeface="Arial"/>
+                <a:ea typeface="Arial"/>
+                <a:cs typeface="Arial"/>
+                <a:sym typeface="Arial"/>
+              </a:defRPr>
+            </a:lvl6pPr>
+            <a:lvl7pPr marL="2560320" marR="0" indent="-502920" algn="l" defTabSz="1285875" latinLnBrk="0">
+              <a:lnSpc>
+                <a:spcPct val="114000"/>
+              </a:lnSpc>
+              <a:spcBef>
+                <a:spcPts val="0"/>
+              </a:spcBef>
+              <a:spcAft>
+                <a:spcPts val="0"/>
+              </a:spcAft>
+              <a:buClrTx/>
+              <a:buSzPct val="100000"/>
+              <a:buFontTx/>
+              <a:buChar char="•"/>
+              <a:tabLst/>
+              <a:defRPr sz="4400" b="0" i="0" u="none" strike="noStrike" cap="none" spc="0" baseline="0">
+                <a:solidFill>
+                  <a:srgbClr val="FFFFFF"/>
+                </a:solidFill>
+                <a:uFillTx/>
+                <a:latin typeface="Arial"/>
+                <a:ea typeface="Arial"/>
+                <a:cs typeface="Arial"/>
+                <a:sym typeface="Arial"/>
+              </a:defRPr>
+            </a:lvl7pPr>
+            <a:lvl8pPr marL="2903220" marR="0" indent="-502920" algn="l" defTabSz="1285875" latinLnBrk="0">
+              <a:lnSpc>
+                <a:spcPct val="114000"/>
+              </a:lnSpc>
+              <a:spcBef>
+                <a:spcPts val="0"/>
+              </a:spcBef>
+              <a:spcAft>
+                <a:spcPts val="0"/>
+              </a:spcAft>
+              <a:buClrTx/>
+              <a:buSzPct val="100000"/>
+              <a:buFontTx/>
+              <a:buChar char="•"/>
+              <a:tabLst/>
+              <a:defRPr sz="4400" b="0" i="0" u="none" strike="noStrike" cap="none" spc="0" baseline="0">
+                <a:solidFill>
+                  <a:srgbClr val="FFFFFF"/>
+                </a:solidFill>
+                <a:uFillTx/>
+                <a:latin typeface="Arial"/>
+                <a:ea typeface="Arial"/>
+                <a:cs typeface="Arial"/>
+                <a:sym typeface="Arial"/>
+              </a:defRPr>
+            </a:lvl8pPr>
+            <a:lvl9pPr marL="3246120" marR="0" indent="-502920" algn="l" defTabSz="1285875" latinLnBrk="0">
+              <a:lnSpc>
+                <a:spcPct val="114000"/>
+              </a:lnSpc>
+              <a:spcBef>
+                <a:spcPts val="0"/>
+              </a:spcBef>
+              <a:spcAft>
+                <a:spcPts val="0"/>
+              </a:spcAft>
+              <a:buClrTx/>
+              <a:buSzPct val="100000"/>
+              <a:buFontTx/>
+              <a:buChar char="•"/>
+              <a:tabLst/>
+              <a:defRPr sz="4400" b="0" i="0" u="none" strike="noStrike" cap="none" spc="0" baseline="0">
+                <a:solidFill>
+                  <a:srgbClr val="FFFFFF"/>
+                </a:solidFill>
+                <a:uFillTx/>
+                <a:latin typeface="Arial"/>
+                <a:ea typeface="Arial"/>
+                <a:cs typeface="Arial"/>
+                <a:sym typeface="Arial"/>
+              </a:defRPr>
+            </a:lvl9pPr>
+          </a:lstStyle>
+          <a:p>
+            <a:pPr marL="0" indent="0" algn="ctr">
+              <a:buNone/>
+            </a:pPr>
+            <a:r>
+              <a:rPr lang="en-NL" sz="3600" dirty="0"/>
+              <a:t>‘Claxon’</a:t>
+            </a:r>
+          </a:p>
+        </p:txBody>
+      </p:sp>
+      <p:sp>
+        <p:nvSpPr>
+          <p:cNvPr id="6" name="TextBox 5">
+            <a:extLst>
+              <a:ext uri="{FF2B5EF4-FFF2-40B4-BE49-F238E27FC236}">
+                <a16:creationId xmlns:a16="http://schemas.microsoft.com/office/drawing/2014/main" id="{F56AB5F3-AF74-0F40-F08A-B19F294D780E}"/>
+              </a:ext>
+            </a:extLst>
+          </p:cNvPr>
+          <p:cNvSpPr txBox="1"/>
+          <p:nvPr/>
+        </p:nvSpPr>
+        <p:spPr>
+          <a:xfrm>
+            <a:off x="973494" y="5411776"/>
+            <a:ext cx="9895114" cy="441468"/>
+          </a:xfrm>
+          <a:prstGeom prst="rect">
+            <a:avLst/>
+          </a:prstGeom>
+          <a:noFill/>
+          <a:ln w="12700" cap="flat">
+            <a:noFill/>
+            <a:miter lim="400000"/>
+          </a:ln>
+          <a:effectLst/>
+          <a:sp3d/>
+        </p:spPr>
+        <p:style>
+          <a:lnRef idx="0">
+            <a:scrgbClr r="0" g="0" b="0"/>
+          </a:lnRef>
+          <a:fillRef idx="0">
+            <a:scrgbClr r="0" g="0" b="0"/>
+          </a:fillRef>
+          <a:effectRef idx="0">
+            <a:scrgbClr r="0" g="0" b="0"/>
+          </a:effectRef>
+          <a:fontRef idx="none"/>
+        </p:style>
+        <p:txBody>
+          <a:bodyPr rot="0" spcFirstLastPara="1" vertOverflow="overflow" horzOverflow="overflow" vert="horz" wrap="square" lIns="35719" tIns="35719" rIns="35719" bIns="35719" numCol="1" spcCol="38100" rtlCol="0" anchor="ctr">
+            <a:spAutoFit/>
+          </a:bodyPr>
+          <a:lstStyle/>
+          <a:p>
+            <a:pPr algn="ctr" defTabSz="410766" hangingPunct="0"/>
+            <a:r>
+              <a:rPr lang="en-NL" sz="2400" dirty="0">
+                <a:solidFill>
+                  <a:srgbClr val="002060"/>
+                </a:solidFill>
+              </a:rPr>
+              <a:t>‘vector embeddings’ </a:t>
+            </a:r>
+            <a:endParaRPr lang="en-NL" sz="2400" b="1" dirty="0">
+              <a:solidFill>
+                <a:srgbClr val="002060"/>
+              </a:solidFill>
+              <a:latin typeface="Helvetica Neue"/>
+              <a:ea typeface="Helvetica Neue"/>
+              <a:cs typeface="Helvetica Neue"/>
+              <a:sym typeface="Helvetica Neue"/>
+            </a:endParaRPr>
+          </a:p>
+        </p:txBody>
+      </p:sp>
+      <p:sp>
+        <p:nvSpPr>
+          <p:cNvPr id="7" name="TextBox 6">
+            <a:extLst>
+              <a:ext uri="{FF2B5EF4-FFF2-40B4-BE49-F238E27FC236}">
+                <a16:creationId xmlns:a16="http://schemas.microsoft.com/office/drawing/2014/main" id="{22C58C47-3368-0ECB-F4BC-E60846BE35C6}"/>
+              </a:ext>
+            </a:extLst>
+          </p:cNvPr>
+          <p:cNvSpPr txBox="1"/>
+          <p:nvPr/>
+        </p:nvSpPr>
+        <p:spPr>
+          <a:xfrm>
+            <a:off x="611620" y="6328030"/>
+            <a:ext cx="8730276" cy="318357"/>
+          </a:xfrm>
+          <a:prstGeom prst="rect">
+            <a:avLst/>
+          </a:prstGeom>
+          <a:noFill/>
+          <a:ln w="12700" cap="flat">
+            <a:noFill/>
+            <a:miter lim="400000"/>
+          </a:ln>
+          <a:effectLst/>
+          <a:sp3d/>
+        </p:spPr>
+        <p:style>
+          <a:lnRef idx="0">
+            <a:scrgbClr r="0" g="0" b="0"/>
+          </a:lnRef>
+          <a:fillRef idx="0">
+            <a:scrgbClr r="0" g="0" b="0"/>
+          </a:fillRef>
+          <a:effectRef idx="0">
+            <a:scrgbClr r="0" g="0" b="0"/>
+          </a:effectRef>
+          <a:fontRef idx="none"/>
+        </p:style>
+        <p:txBody>
+          <a:bodyPr rot="0" spcFirstLastPara="1" vertOverflow="overflow" horzOverflow="overflow" vert="horz" wrap="square" lIns="35719" tIns="35719" rIns="35719" bIns="35719" numCol="1" spcCol="38100" rtlCol="0" anchor="ctr">
+            <a:spAutoFit/>
+          </a:bodyPr>
+          <a:lstStyle/>
+          <a:p>
+            <a:pPr algn="ctr" defTabSz="410766" hangingPunct="0"/>
+            <a:r>
+              <a:rPr lang="en-GB" sz="1600" dirty="0">
+                <a:solidFill>
+                  <a:srgbClr val="002060"/>
+                </a:solidFill>
+                <a:latin typeface="Helvetica Neue"/>
+                <a:ea typeface="Helvetica Neue"/>
+                <a:cs typeface="Helvetica Neue"/>
+                <a:sym typeface="Helvetica Neue"/>
+              </a:rPr>
+              <a:t>R</a:t>
+            </a:r>
+            <a:r>
+              <a:rPr lang="en-NL" sz="1600" dirty="0">
+                <a:solidFill>
+                  <a:srgbClr val="002060"/>
+                </a:solidFill>
+                <a:latin typeface="Helvetica Neue"/>
+                <a:ea typeface="Helvetica Neue"/>
+                <a:cs typeface="Helvetica Neue"/>
+                <a:sym typeface="Helvetica Neue"/>
+              </a:rPr>
+              <a:t>ead more: </a:t>
+            </a:r>
+            <a:r>
+              <a:rPr lang="en-GB" sz="1600" dirty="0">
+                <a:solidFill>
+                  <a:srgbClr val="002060"/>
+                </a:solidFill>
+                <a:latin typeface="Helvetica Neue"/>
+                <a:ea typeface="Helvetica Neue"/>
+                <a:cs typeface="Helvetica Neue"/>
+                <a:sym typeface="Helvetica Neue"/>
+              </a:rPr>
+              <a:t>https://</a:t>
+            </a:r>
+            <a:r>
+              <a:rPr lang="en-GB" sz="1600" dirty="0" err="1">
+                <a:solidFill>
+                  <a:srgbClr val="002060"/>
+                </a:solidFill>
+                <a:latin typeface="Helvetica Neue"/>
+                <a:ea typeface="Helvetica Neue"/>
+                <a:cs typeface="Helvetica Neue"/>
+                <a:sym typeface="Helvetica Neue"/>
+              </a:rPr>
+              <a:t>www.geeksforgeeks.org</a:t>
+            </a:r>
+            <a:r>
+              <a:rPr lang="en-GB" sz="1600" dirty="0">
+                <a:solidFill>
+                  <a:srgbClr val="002060"/>
+                </a:solidFill>
+                <a:latin typeface="Helvetica Neue"/>
+                <a:ea typeface="Helvetica Neue"/>
+                <a:cs typeface="Helvetica Neue"/>
+                <a:sym typeface="Helvetica Neue"/>
+              </a:rPr>
+              <a:t>/what-are-embeddings-in-machine-learning/</a:t>
+            </a:r>
+            <a:endParaRPr lang="en-NL" sz="1600" dirty="0">
+              <a:solidFill>
+                <a:srgbClr val="002060"/>
+              </a:solidFill>
+              <a:latin typeface="Helvetica Neue"/>
+              <a:ea typeface="Helvetica Neue"/>
+              <a:cs typeface="Helvetica Neue"/>
+              <a:sym typeface="Helvetica Neue"/>
+            </a:endParaRPr>
+          </a:p>
+        </p:txBody>
+      </p:sp>
+      <p:pic>
+        <p:nvPicPr>
+          <p:cNvPr id="2" name="Graphic 1" descr="Volume outline">
+            <a:extLst>
+              <a:ext uri="{FF2B5EF4-FFF2-40B4-BE49-F238E27FC236}">
+                <a16:creationId xmlns:a16="http://schemas.microsoft.com/office/drawing/2014/main" id="{D6A9E0F6-31F8-0E3B-2541-0232275B2D56}"/>
+              </a:ext>
+            </a:extLst>
+          </p:cNvPr>
+          <p:cNvPicPr>
+            <a:picLocks noChangeAspect="1"/>
+          </p:cNvPicPr>
+          <p:nvPr/>
+        </p:nvPicPr>
+        <p:blipFill>
+          <a:blip r:embed="rId2">
+            <a:extLst>
+              <a:ext uri="{96DAC541-7B7A-43D3-8B79-37D633B846F1}">
+                <asvg:svgBlip xmlns:asvg="http://schemas.microsoft.com/office/drawing/2016/SVG/main" r:embed="rId3"/>
+              </a:ext>
+            </a:extLst>
+          </a:blip>
+          <a:stretch>
+            <a:fillRect/>
+          </a:stretch>
+        </p:blipFill>
+        <p:spPr>
+          <a:xfrm>
+            <a:off x="2709681" y="2807875"/>
+            <a:ext cx="1937327" cy="1937327"/>
+          </a:xfrm>
+          <a:prstGeom prst="rect">
+            <a:avLst/>
+          </a:prstGeom>
+        </p:spPr>
+      </p:pic>
+    </p:spTree>
+    <p:extLst>
+      <p:ext uri="{BB962C8B-B14F-4D97-AF65-F5344CB8AC3E}">
+        <p14:creationId xmlns:p14="http://schemas.microsoft.com/office/powerpoint/2010/main" val="713330351"/>
+      </p:ext>
+    </p:extLst>
+  </p:cSld>
+  <p:clrMapOvr>
+    <a:masterClrMapping/>
+  </p:clrMapOvr>
+  <p:timing>
+    <p:tnLst>
+      <p:par>
+        <p:cTn id="1" dur="indefinite" restart="never" nodeType="tmRoot">
+          <p:childTnLst>
+            <p:seq concurrent="1" nextAc="seek">
+              <p:cTn id="2" dur="indefinite" nodeType="mainSeq">
+                <p:childTnLst>
+                  <p:par>
+                    <p:cTn id="3" fill="hold">
+                      <p:stCondLst>
+                        <p:cond delay="indefinite"/>
+                      </p:stCondLst>
+                      <p:childTnLst>
+                        <p:par>
+                          <p:cTn id="4" fill="hold">
+                            <p:stCondLst>
+                              <p:cond delay="0"/>
+                            </p:stCondLst>
+                            <p:childTnLst>
+                              <p:par>
+                                <p:cTn id="5" presetID="1" presetClass="entr" presetSubtype="0" fill="hold" grpId="0" nodeType="clickEffect">
+                                  <p:stCondLst>
+                                    <p:cond delay="0"/>
+                                  </p:stCondLst>
+                                  <p:childTnLst>
+                                    <p:set>
+                                      <p:cBhvr>
+                                        <p:cTn id="6" dur="1" fill="hold">
+                                          <p:stCondLst>
+                                            <p:cond delay="0"/>
+                                          </p:stCondLst>
+                                        </p:cTn>
+                                        <p:tgtEl>
+                                          <p:spTgt spid="6"/>
+                                        </p:tgtEl>
+                                        <p:attrNameLst>
+                                          <p:attrName>style.visibility</p:attrName>
+                                        </p:attrNameLst>
+                                      </p:cBhvr>
+                                      <p:to>
+                                        <p:strVal val="visible"/>
+                                      </p:to>
+                                    </p:set>
+                                  </p:childTnLst>
+                                </p:cTn>
+                              </p:par>
+                            </p:childTnLst>
+                          </p:cTn>
+                        </p:par>
+                      </p:childTnLst>
+                    </p:cTn>
+                  </p:par>
+                  <p:par>
+                    <p:cTn id="7" fill="hold">
+                      <p:stCondLst>
+                        <p:cond delay="indefinite"/>
+                      </p:stCondLst>
+                      <p:childTnLst>
+                        <p:par>
+                          <p:cTn id="8" fill="hold">
+                            <p:stCondLst>
+                              <p:cond delay="0"/>
+                            </p:stCondLst>
+                            <p:childTnLst>
+                              <p:par>
+                                <p:cTn id="9" presetID="1" presetClass="entr" presetSubtype="0" fill="hold" grpId="0" nodeType="clickEffect">
+                                  <p:stCondLst>
+                                    <p:cond delay="0"/>
+                                  </p:stCondLst>
+                                  <p:childTnLst>
+                                    <p:set>
+                                      <p:cBhvr>
+                                        <p:cTn id="10" dur="1" fill="hold">
+                                          <p:stCondLst>
+                                            <p:cond delay="0"/>
+                                          </p:stCondLst>
+                                        </p:cTn>
+                                        <p:tgtEl>
+                                          <p:spTgt spid="7"/>
+                                        </p:tgtEl>
+                                        <p:attrNameLst>
+                                          <p:attrName>style.visibility</p:attrName>
+                                        </p:attrNameLst>
+                                      </p:cBhvr>
+                                      <p:to>
+                                        <p:strVal val="visible"/>
+                                      </p:to>
+                                    </p:set>
+                                  </p:childTnLst>
+                                </p:cTn>
+                              </p:par>
+                            </p:childTnLst>
+                          </p:cTn>
+                        </p:par>
+                      </p:childTnLst>
+                    </p:cTn>
+                  </p:par>
+                  <p:par>
+                    <p:cTn id="11" fill="hold">
+                      <p:stCondLst>
+                        <p:cond delay="indefinite"/>
+                      </p:stCondLst>
+                      <p:childTnLst>
+                        <p:par>
+                          <p:cTn id="12" fill="hold">
+                            <p:stCondLst>
+                              <p:cond delay="0"/>
+                            </p:stCondLst>
+                            <p:childTnLst>
+                              <p:par>
+                                <p:cTn id="13" presetID="1" presetClass="entr" presetSubtype="0" fill="hold" grpId="1" nodeType="clickEffect">
+                                  <p:stCondLst>
+                                    <p:cond delay="0"/>
+                                  </p:stCondLst>
+                                  <p:childTnLst>
+                                    <p:set>
+                                      <p:cBhvr>
+                                        <p:cTn id="14" dur="1" fill="hold">
+                                          <p:stCondLst>
+                                            <p:cond delay="0"/>
+                                          </p:stCondLst>
+                                        </p:cTn>
+                                        <p:tgtEl>
+                                          <p:spTgt spid="6"/>
+                                        </p:tgtEl>
+                                        <p:attrNameLst>
+                                          <p:attrName>style.visibility</p:attrName>
+                                        </p:attrNameLst>
+                                      </p:cBhvr>
+                                      <p:to>
+                                        <p:strVal val="visible"/>
+                                      </p:to>
+                                    </p:set>
+                                  </p:childTnLst>
+                                </p:cTn>
+                              </p:par>
+                              <p:par>
+                                <p:cTn id="15" presetID="1" presetClass="entr" presetSubtype="0" fill="hold" grpId="1" nodeType="withEffect">
+                                  <p:stCondLst>
+                                    <p:cond delay="0"/>
+                                  </p:stCondLst>
+                                  <p:childTnLst>
+                                    <p:set>
+                                      <p:cBhvr>
+                                        <p:cTn id="16" dur="1" fill="hold">
+                                          <p:stCondLst>
+                                            <p:cond delay="0"/>
+                                          </p:stCondLst>
+                                        </p:cTn>
+                                        <p:tgtEl>
+                                          <p:spTgt spid="7"/>
+                                        </p:tgtEl>
+                                        <p:attrNameLst>
+                                          <p:attrName>style.visibility</p:attrName>
+                                        </p:attrNameLst>
+                                      </p:cBhvr>
+                                      <p:to>
+                                        <p:strVal val="visible"/>
+                                      </p:to>
+                                    </p:set>
+                                  </p:childTnLst>
+                                </p:cTn>
+                              </p:par>
+                            </p:childTnLst>
+                          </p:cTn>
+                        </p:par>
+                      </p:childTnLst>
+                    </p:cTn>
+                  </p:par>
+                  <p:par>
+                    <p:cTn id="17" fill="hold">
+                      <p:stCondLst>
+                        <p:cond delay="indefinite"/>
+                      </p:stCondLst>
+                      <p:childTnLst>
+                        <p:par>
+                          <p:cTn id="18" fill="hold">
+                            <p:stCondLst>
+                              <p:cond delay="0"/>
+                            </p:stCondLst>
+                            <p:childTnLst>
+                              <p:par>
+                                <p:cTn id="19" presetID="1" presetClass="entr" presetSubtype="0" fill="hold" grpId="2" nodeType="clickEffect">
+                                  <p:stCondLst>
+                                    <p:cond delay="0"/>
+                                  </p:stCondLst>
+                                  <p:childTnLst>
+                                    <p:set>
+                                      <p:cBhvr>
+                                        <p:cTn id="20" dur="1" fill="hold">
+                                          <p:stCondLst>
+                                            <p:cond delay="0"/>
+                                          </p:stCondLst>
+                                        </p:cTn>
+                                        <p:tgtEl>
+                                          <p:spTgt spid="6"/>
+                                        </p:tgtEl>
+                                        <p:attrNameLst>
+                                          <p:attrName>style.visibility</p:attrName>
+                                        </p:attrNameLst>
+                                      </p:cBhvr>
+                                      <p:to>
+                                        <p:strVal val="visible"/>
+                                      </p:to>
+                                    </p:set>
+                                  </p:childTnLst>
+                                </p:cTn>
+                              </p:par>
+                            </p:childTnLst>
+                          </p:cTn>
+                        </p:par>
+                      </p:childTnLst>
+                    </p:cTn>
+                  </p:par>
+                </p:childTnLst>
+              </p:cTn>
+              <p:prevCondLst>
+                <p:cond evt="onPrev" delay="0">
+                  <p:tgtEl>
+                    <p:sldTgt/>
+                  </p:tgtEl>
+                </p:cond>
+              </p:prevCondLst>
+              <p:nextCondLst>
+                <p:cond evt="onNext" delay="0">
+                  <p:tgtEl>
+                    <p:sldTgt/>
+                  </p:tgtEl>
+                </p:cond>
+              </p:nextCondLst>
+            </p:seq>
+          </p:childTnLst>
+        </p:cTn>
+      </p:par>
+    </p:tnLst>
+    <p:bldLst>
+      <p:bldP spid="6" grpId="0"/>
+      <p:bldP spid="6" grpId="1"/>
+      <p:bldP spid="6" grpId="2"/>
+      <p:bldP spid="7" grpId="0"/>
+      <p:bldP spid="7" grpId="1"/>
+    </p:bldLst>
+  </p:timing>
+</p:sld>
+</file>
+
+<file path=ppt/slides/slide4.xml><?xml version="1.0" encoding="utf-8"?>
+<p:sld xmlns:a="http://schemas.openxmlformats.org/drawingml/2006/main" xmlns:r="http://schemas.openxmlformats.org/officeDocument/2006/relationships" xmlns:p="http://schemas.openxmlformats.org/presentationml/2006/main">
+  <p:cSld>
+    <p:spTree>
+      <p:nvGrpSpPr>
         <p:cNvPr id="1" name=""/>
         <p:cNvGrpSpPr/>
         <p:nvPr/>
@@ -4311,7 +5473,7 @@
         <p:spPr>
           <a:xfrm>
             <a:off x="862456" y="687862"/>
-            <a:ext cx="10926011" cy="1222051"/>
+            <a:ext cx="11024744" cy="1409746"/>
           </a:xfrm>
           <a:prstGeom prst="rect">
             <a:avLst/>
@@ -4319,7 +5481,7 @@
         </p:spPr>
         <p:txBody>
           <a:bodyPr>
-            <a:normAutofit fontScale="82500" lnSpcReduction="10000"/>
+            <a:normAutofit fontScale="82500" lnSpcReduction="20000"/>
           </a:bodyPr>
           <a:lstStyle>
             <a:lvl1pPr algn="l" defTabSz="914400" rtl="0" eaLnBrk="1" latinLnBrk="0" hangingPunct="1">
@@ -4347,7 +5509,7 @@
                   <a:srgbClr val="002060"/>
                 </a:solidFill>
               </a:rPr>
-              <a:t>With CLAP we turn audio and text into vectors. These vectors capture the meaning. We then compare vectors.</a:t>
+              <a:t>With CLAP we turn audio and text into vectors with an ‘embedding model’. These embeddings capture the meaning.</a:t>
             </a:r>
             <a:endParaRPr lang="en-NL" sz="1550" dirty="0">
               <a:solidFill>
@@ -4372,7 +5534,7 @@
           <p:nvPr/>
         </p:nvPicPr>
         <p:blipFill rotWithShape="1">
-          <a:blip r:embed="rId4">
+          <a:blip r:embed="rId2">
             <a:extLst>
               <a:ext uri="{28A0092B-C50C-407E-A947-70E740481C1C}">
                 <a14:useLocalDpi xmlns:a14="http://schemas.microsoft.com/office/drawing/2010/main" val="0"/>
@@ -4390,16 +5552,9 @@
           <a:prstGeom prst="rect">
             <a:avLst/>
           </a:prstGeom>
-          <a:noFill/>
-          <a:extLst>
-            <a:ext uri="{909E8E84-426E-40DD-AFC4-6F175D3DCCD1}">
-              <a14:hiddenFill xmlns:a14="http://schemas.microsoft.com/office/drawing/2010/main">
-                <a:solidFill>
-                  <a:srgbClr val="FFFFFF"/>
-                </a:solidFill>
-              </a14:hiddenFill>
-            </a:ext>
-          </a:extLst>
+          <a:solidFill>
+            <a:schemeClr val="accent1"/>
+          </a:solidFill>
         </p:spPr>
       </p:pic>
       <p:sp>
@@ -4761,10 +5916,13 @@
               <a:buNone/>
             </a:pPr>
             <a:r>
-              <a:rPr lang="en-NL" sz="3600"/>
+              <a:rPr lang="en-NL" sz="3600" dirty="0">
+                <a:solidFill>
+                  <a:srgbClr val="002060"/>
+                </a:solidFill>
+              </a:rPr>
               <a:t>‘Claxon’</a:t>
             </a:r>
-            <a:endParaRPr lang="en-NL" sz="3600" dirty="0"/>
           </a:p>
         </p:txBody>
       </p:sp>
@@ -4783,7 +5941,7 @@
           <p:nvPr/>
         </p:nvPicPr>
         <p:blipFill rotWithShape="1">
-          <a:blip r:embed="rId4">
+          <a:blip r:embed="rId2">
             <a:extLst>
               <a:ext uri="{28A0092B-C50C-407E-A947-70E740481C1C}">
                 <a14:useLocalDpi xmlns:a14="http://schemas.microsoft.com/office/drawing/2010/main" val="0"/>
@@ -5083,7 +6241,7 @@
             <a:r>
               <a:rPr lang="en-NL" sz="1600" b="1" dirty="0">
                 <a:solidFill>
-                  <a:srgbClr val="000000"/>
+                  <a:srgbClr val="002060"/>
                 </a:solidFill>
                 <a:latin typeface="Helvetica Neue"/>
                 <a:ea typeface="Helvetica Neue"/>
@@ -5097,43 +6255,38 @@
       </p:sp>
       <p:pic>
         <p:nvPicPr>
-          <p:cNvPr id="15" name="claxon_10s_67.wav">
-            <a:hlinkClick r:id="" action="ppaction://media"/>
-            <a:extLst>
-              <a:ext uri="{FF2B5EF4-FFF2-40B4-BE49-F238E27FC236}">
-                <a16:creationId xmlns:a16="http://schemas.microsoft.com/office/drawing/2014/main" id="{6E365A98-40BE-48CD-C0A6-2A34129E520C}"/>
+          <p:cNvPr id="16" name="Graphic 15" descr="Volume outline">
+            <a:extLst>
+              <a:ext uri="{FF2B5EF4-FFF2-40B4-BE49-F238E27FC236}">
+                <a16:creationId xmlns:a16="http://schemas.microsoft.com/office/drawing/2014/main" id="{14D41216-DC31-B295-1BE8-8E539AAD200E}"/>
               </a:ext>
             </a:extLst>
           </p:cNvPr>
           <p:cNvPicPr>
             <a:picLocks noChangeAspect="1"/>
           </p:cNvPicPr>
-          <p:nvPr>
-            <a:audioFile r:link="rId2"/>
-            <p:extLst>
-              <p:ext uri="{DAA4B4D4-6D71-4841-9C94-3DE7FCFB9230}">
-                <p14:media xmlns:p14="http://schemas.microsoft.com/office/powerpoint/2010/main" r:embed="rId1"/>
-              </p:ext>
-            </p:extLst>
-          </p:nvPr>
+          <p:nvPr/>
         </p:nvPicPr>
         <p:blipFill>
-          <a:blip r:embed="rId5"/>
+          <a:blip r:embed="rId3">
+            <a:extLst>
+              <a:ext uri="{96DAC541-7B7A-43D3-8B79-37D633B846F1}">
+                <asvg:svgBlip xmlns:asvg="http://schemas.microsoft.com/office/drawing/2016/SVG/main" r:embed="rId4"/>
+              </a:ext>
+            </a:extLst>
+          </a:blip>
           <a:stretch>
             <a:fillRect/>
           </a:stretch>
         </p:blipFill>
         <p:spPr>
           <a:xfrm>
-            <a:off x="1335884" y="2547197"/>
-            <a:ext cx="1222051" cy="1222051"/>
+            <a:off x="1370738" y="2616684"/>
+            <a:ext cx="1207916" cy="1207916"/>
           </a:xfrm>
           <a:prstGeom prst="rect">
             <a:avLst/>
           </a:prstGeom>
-          <a:solidFill>
-            <a:schemeClr val="tx1"/>
-          </a:solidFill>
         </p:spPr>
       </p:pic>
     </p:spTree>
@@ -5181,7 +6334,9 @@
                                         </p:cTn>
                                         <p:tgtEl>
                                           <p:spTgt spid="7">
-                                            <p:bg/>
+                                            <p:txEl>
+                                              <p:pRg st="0" end="0"/>
+                                            </p:txEl>
                                           </p:spTgt>
                                         </p:tgtEl>
                                         <p:attrNameLst>
@@ -5195,26 +6350,35 @@
                                   </p:childTnLst>
                                 </p:cTn>
                               </p:par>
-                            </p:childTnLst>
-                          </p:cTn>
-                        </p:par>
-                      </p:childTnLst>
-                    </p:cTn>
-                  </p:par>
-                  <p:par>
-                    <p:cTn id="7" fill="hold">
-                      <p:stCondLst>
-                        <p:cond delay="indefinite"/>
-                      </p:stCondLst>
-                      <p:childTnLst>
-                        <p:par>
-                          <p:cTn id="8" fill="hold">
-                            <p:stCondLst>
-                              <p:cond delay="0"/>
-                            </p:stCondLst>
-                            <p:childTnLst>
                               <p:par>
-                                <p:cTn id="9" presetID="1" presetClass="entr" presetSubtype="0" fill="hold" grpId="0" nodeType="clickEffect">
+                                <p:cTn id="7" presetID="1" presetClass="entr" presetSubtype="0" fill="hold" grpId="0" nodeType="withEffect">
+                                  <p:stCondLst>
+                                    <p:cond delay="0"/>
+                                  </p:stCondLst>
+                                  <p:childTnLst>
+                                    <p:set>
+                                      <p:cBhvr>
+                                        <p:cTn id="8" dur="1" fill="hold">
+                                          <p:stCondLst>
+                                            <p:cond delay="0"/>
+                                          </p:stCondLst>
+                                        </p:cTn>
+                                        <p:tgtEl>
+                                          <p:spTgt spid="9"/>
+                                        </p:tgtEl>
+                                        <p:attrNameLst>
+                                          <p:attrName>style.visibility</p:attrName>
+                                        </p:attrNameLst>
+                                      </p:cBhvr>
+                                      <p:to>
+                                        <p:strVal val="visible"/>
+                                      </p:to>
+                                    </p:set>
+                                  </p:childTnLst>
+                                </p:cTn>
+                              </p:par>
+                              <p:par>
+                                <p:cTn id="9" presetID="1" presetClass="entr" presetSubtype="0" fill="hold" nodeType="withEffect">
                                   <p:stCondLst>
                                     <p:cond delay="0"/>
                                   </p:stCondLst>
@@ -5227,11 +6391,7 @@
                                           </p:stCondLst>
                                         </p:cTn>
                                         <p:tgtEl>
-                                          <p:spTgt spid="7">
-                                            <p:txEl>
-                                              <p:pRg st="0" end="0"/>
-                                            </p:txEl>
-                                          </p:spTgt>
+                                          <p:spTgt spid="8"/>
                                         </p:tgtEl>
                                         <p:attrNameLst>
                                           <p:attrName>style.visibility</p:attrName>
@@ -5258,60 +6418,6 @@
                                           </p:stCondLst>
                                         </p:cTn>
                                         <p:tgtEl>
-                                          <p:spTgt spid="9"/>
-                                        </p:tgtEl>
-                                        <p:attrNameLst>
-                                          <p:attrName>style.visibility</p:attrName>
-                                        </p:attrNameLst>
-                                      </p:cBhvr>
-                                      <p:to>
-                                        <p:strVal val="visible"/>
-                                      </p:to>
-                                    </p:set>
-                                  </p:childTnLst>
-                                </p:cTn>
-                              </p:par>
-                              <p:par>
-                                <p:cTn id="13" presetID="1" presetClass="entr" presetSubtype="0" fill="hold" nodeType="withEffect">
-                                  <p:stCondLst>
-                                    <p:cond delay="0"/>
-                                  </p:stCondLst>
-                                  <p:childTnLst>
-                                    <p:set>
-                                      <p:cBhvr>
-                                        <p:cTn id="14" dur="1" fill="hold">
-                                          <p:stCondLst>
-                                            <p:cond delay="0"/>
-                                          </p:stCondLst>
-                                        </p:cTn>
-                                        <p:tgtEl>
-                                          <p:spTgt spid="8"/>
-                                        </p:tgtEl>
-                                        <p:attrNameLst>
-                                          <p:attrName>style.visibility</p:attrName>
-                                        </p:attrNameLst>
-                                      </p:cBhvr>
-                                      <p:to>
-                                        <p:strVal val="visible"/>
-                                      </p:to>
-                                    </p:set>
-                                  </p:childTnLst>
-                                </p:cTn>
-                              </p:par>
-                              <p:par>
-                                <p:cTn id="15" presetID="1" presetClass="entr" presetSubtype="0" fill="hold" grpId="0" nodeType="withEffect">
-                                  <p:stCondLst>
-                                    <p:cond delay="0"/>
-                                  </p:stCondLst>
-                                  <p:childTnLst>
-                                    <p:set>
-                                      <p:cBhvr>
-                                        <p:cTn id="16" dur="1" fill="hold">
-                                          <p:stCondLst>
-                                            <p:cond delay="0"/>
-                                          </p:stCondLst>
-                                        </p:cTn>
-                                        <p:tgtEl>
                                           <p:spTgt spid="10"/>
                                         </p:tgtEl>
                                         <p:attrNameLst>
@@ -5326,14 +6432,14 @@
                                 </p:cTn>
                               </p:par>
                               <p:par>
-                                <p:cTn id="17" presetID="1" presetClass="entr" presetSubtype="0" fill="hold" grpId="0" nodeType="withEffect">
+                                <p:cTn id="13" presetID="1" presetClass="entr" presetSubtype="0" fill="hold" grpId="0" nodeType="withEffect">
                                   <p:stCondLst>
                                     <p:cond delay="0"/>
                                   </p:stCondLst>
                                   <p:childTnLst>
                                     <p:set>
                                       <p:cBhvr>
-                                        <p:cTn id="18" dur="1" fill="hold">
+                                        <p:cTn id="14" dur="1" fill="hold">
                                           <p:stCondLst>
                                             <p:cond delay="0"/>
                                           </p:stCondLst>
@@ -5359,26 +6465,26 @@
                     </p:cTn>
                   </p:par>
                   <p:par>
-                    <p:cTn id="19" fill="hold">
+                    <p:cTn id="15" fill="hold">
                       <p:stCondLst>
                         <p:cond delay="indefinite"/>
                       </p:stCondLst>
                       <p:childTnLst>
                         <p:par>
-                          <p:cTn id="20" fill="hold">
+                          <p:cTn id="16" fill="hold">
                             <p:stCondLst>
                               <p:cond delay="0"/>
                             </p:stCondLst>
                             <p:childTnLst>
                               <p:par>
-                                <p:cTn id="21" presetID="1" presetClass="entr" presetSubtype="0" fill="hold" grpId="0" nodeType="clickEffect">
+                                <p:cTn id="17" presetID="1" presetClass="entr" presetSubtype="0" fill="hold" grpId="0" nodeType="clickEffect">
                                   <p:stCondLst>
                                     <p:cond delay="0"/>
                                   </p:stCondLst>
                                   <p:childTnLst>
                                     <p:set>
                                       <p:cBhvr>
-                                        <p:cTn id="22" dur="1" fill="hold">
+                                        <p:cTn id="18" dur="1" fill="hold">
                                           <p:stCondLst>
                                             <p:cond delay="0"/>
                                           </p:stCondLst>
@@ -5398,14 +6504,14 @@
                                 </p:cTn>
                               </p:par>
                               <p:par>
-                                <p:cTn id="23" presetID="1" presetClass="entr" presetSubtype="0" fill="hold" grpId="0" nodeType="withEffect">
+                                <p:cTn id="19" presetID="1" presetClass="entr" presetSubtype="0" fill="hold" grpId="0" nodeType="withEffect">
                                   <p:stCondLst>
                                     <p:cond delay="0"/>
                                   </p:stCondLst>
                                   <p:childTnLst>
                                     <p:set>
                                       <p:cBhvr>
-                                        <p:cTn id="24" dur="1" fill="hold">
+                                        <p:cTn id="20" dur="1" fill="hold">
                                           <p:stCondLst>
                                             <p:cond delay="0"/>
                                           </p:stCondLst>
@@ -5421,41 +6527,6 @@
                                         <p:strVal val="visible"/>
                                       </p:to>
                                     </p:set>
-                                  </p:childTnLst>
-                                </p:cTn>
-                              </p:par>
-                            </p:childTnLst>
-                          </p:cTn>
-                        </p:par>
-                      </p:childTnLst>
-                    </p:cTn>
-                  </p:par>
-                  <p:par>
-                    <p:cTn id="25" fill="hold">
-                      <p:stCondLst>
-                        <p:cond delay="indefinite"/>
-                      </p:stCondLst>
-                      <p:childTnLst>
-                        <p:par>
-                          <p:cTn id="26" fill="hold">
-                            <p:stCondLst>
-                              <p:cond delay="0"/>
-                            </p:stCondLst>
-                            <p:childTnLst>
-                              <p:par>
-                                <p:cTn id="27" presetID="1" presetClass="mediacall" presetSubtype="0" fill="hold" nodeType="clickEffect">
-                                  <p:stCondLst>
-                                    <p:cond delay="0"/>
-                                  </p:stCondLst>
-                                  <p:childTnLst>
-                                    <p:cmd type="call" cmd="playFrom(0.0)">
-                                      <p:cBhvr>
-                                        <p:cTn id="28" dur="10000" fill="hold"/>
-                                        <p:tgtEl>
-                                          <p:spTgt spid="15"/>
-                                        </p:tgtEl>
-                                      </p:cBhvr>
-                                    </p:cmd>
                                   </p:childTnLst>
                                 </p:cTn>
                               </p:par>
@@ -5482,31 +6553,12 @@
                 </p:cond>
               </p:nextCondLst>
             </p:seq>
-            <p:audio>
-              <p:cMediaNode vol="80000">
-                <p:cTn id="29" fill="hold" display="0">
-                  <p:stCondLst>
-                    <p:cond delay="indefinite"/>
-                  </p:stCondLst>
-                  <p:endCondLst>
-                    <p:cond evt="onStopAudio" delay="0">
-                      <p:tgtEl>
-                        <p:sldTgt/>
-                      </p:tgtEl>
-                    </p:cond>
-                  </p:endCondLst>
-                </p:cTn>
-                <p:tgtEl>
-                  <p:spTgt spid="15"/>
-                </p:tgtEl>
-              </p:cMediaNode>
-            </p:audio>
           </p:childTnLst>
         </p:cTn>
       </p:par>
     </p:tnLst>
     <p:bldLst>
-      <p:bldP spid="7" grpId="0" build="p" animBg="1"/>
+      <p:bldP spid="7" grpId="0" build="p"/>
       <p:bldP spid="9" grpId="0" animBg="1"/>
       <p:bldP spid="10" grpId="0" animBg="1"/>
       <p:bldP spid="11" grpId="0" animBg="1"/>
@@ -5517,8 +6569,8 @@
 </p:sld>
 </file>
 
-<file path=ppt/slides/slide4.xml><?xml version="1.0" encoding="utf-8"?>
-<p:sld xmlns:a="http://schemas.openxmlformats.org/drawingml/2006/main" xmlns:r="http://schemas.openxmlformats.org/officeDocument/2006/relationships" xmlns:p="http://schemas.openxmlformats.org/presentationml/2006/main">
+<file path=ppt/slides/slide5.xml><?xml version="1.0" encoding="utf-8"?>
+<p:sld xmlns:a="http://schemas.openxmlformats.org/drawingml/2006/main" xmlns:r="http://schemas.openxmlformats.org/officeDocument/2006/relationships" xmlns:p="http://schemas.openxmlformats.org/presentationml/2006/main" show="0">
   <p:cSld>
     <p:spTree>
       <p:nvGrpSpPr>
@@ -5954,129 +7006,6 @@
           <a:fontRef idx="none"/>
         </p:style>
       </p:cxnSp>
-      <p:pic>
-        <p:nvPicPr>
-          <p:cNvPr id="13" name="claxon_10s_67.wav">
-            <a:hlinkClick r:id="" action="ppaction://media"/>
-            <a:extLst>
-              <a:ext uri="{FF2B5EF4-FFF2-40B4-BE49-F238E27FC236}">
-                <a16:creationId xmlns:a16="http://schemas.microsoft.com/office/drawing/2014/main" id="{0100AF63-63B3-B965-32FE-B10A740AE095}"/>
-              </a:ext>
-            </a:extLst>
-          </p:cNvPr>
-          <p:cNvPicPr>
-            <a:picLocks noChangeAspect="1"/>
-          </p:cNvPicPr>
-          <p:nvPr>
-            <a:audioFile r:link="rId2"/>
-            <p:extLst>
-              <p:ext uri="{DAA4B4D4-6D71-4841-9C94-3DE7FCFB9230}">
-                <p14:media xmlns:p14="http://schemas.microsoft.com/office/powerpoint/2010/main" r:embed="rId1"/>
-              </p:ext>
-            </p:extLst>
-          </p:nvPr>
-        </p:nvPicPr>
-        <p:blipFill>
-          <a:blip r:embed="rId10"/>
-          <a:stretch>
-            <a:fillRect/>
-          </a:stretch>
-        </p:blipFill>
-        <p:spPr>
-          <a:xfrm>
-            <a:off x="4469562" y="3096889"/>
-            <a:ext cx="531875" cy="531875"/>
-          </a:xfrm>
-          <a:prstGeom prst="rect">
-            <a:avLst/>
-          </a:prstGeom>
-          <a:solidFill>
-            <a:srgbClr val="002060"/>
-          </a:solidFill>
-        </p:spPr>
-      </p:pic>
-      <p:pic>
-        <p:nvPicPr>
-          <p:cNvPr id="14" name="shot556_168_ch01_180718_164345_05_.wav">
-            <a:hlinkClick r:id="" action="ppaction://media"/>
-            <a:extLst>
-              <a:ext uri="{FF2B5EF4-FFF2-40B4-BE49-F238E27FC236}">
-                <a16:creationId xmlns:a16="http://schemas.microsoft.com/office/drawing/2014/main" id="{1F8A3287-7E82-A5D0-9682-6EA0986B7BB5}"/>
-              </a:ext>
-            </a:extLst>
-          </p:cNvPr>
-          <p:cNvPicPr>
-            <a:picLocks noChangeAspect="1"/>
-          </p:cNvPicPr>
-          <p:nvPr>
-            <a:audioFile r:link="rId4"/>
-            <p:extLst>
-              <p:ext uri="{DAA4B4D4-6D71-4841-9C94-3DE7FCFB9230}">
-                <p14:media xmlns:p14="http://schemas.microsoft.com/office/powerpoint/2010/main" r:embed="rId3"/>
-              </p:ext>
-            </p:extLst>
-          </p:nvPr>
-        </p:nvPicPr>
-        <p:blipFill>
-          <a:blip r:embed="rId10"/>
-          <a:stretch>
-            <a:fillRect/>
-          </a:stretch>
-        </p:blipFill>
-        <p:spPr>
-          <a:xfrm>
-            <a:off x="5490070" y="4465803"/>
-            <a:ext cx="531875" cy="531875"/>
-          </a:xfrm>
-          <a:prstGeom prst="rect">
-            <a:avLst/>
-          </a:prstGeom>
-          <a:solidFill>
-            <a:srgbClr val="002060"/>
-          </a:solidFill>
-        </p:spPr>
-      </p:pic>
-      <p:pic>
-        <p:nvPicPr>
-          <p:cNvPr id="15" name="C.17.200102.122846.93.wav">
-            <a:hlinkClick r:id="" action="ppaction://media"/>
-            <a:extLst>
-              <a:ext uri="{FF2B5EF4-FFF2-40B4-BE49-F238E27FC236}">
-                <a16:creationId xmlns:a16="http://schemas.microsoft.com/office/drawing/2014/main" id="{B682BC8C-81E0-0EC6-8932-60B0226E375E}"/>
-              </a:ext>
-            </a:extLst>
-          </p:cNvPr>
-          <p:cNvPicPr>
-            <a:picLocks noChangeAspect="1"/>
-          </p:cNvPicPr>
-          <p:nvPr>
-            <a:audioFile r:link="rId6"/>
-            <p:extLst>
-              <p:ext uri="{DAA4B4D4-6D71-4841-9C94-3DE7FCFB9230}">
-                <p14:media xmlns:p14="http://schemas.microsoft.com/office/powerpoint/2010/main" r:embed="rId5"/>
-              </p:ext>
-            </p:extLst>
-          </p:nvPr>
-        </p:nvPicPr>
-        <p:blipFill>
-          <a:blip r:embed="rId10"/>
-          <a:stretch>
-            <a:fillRect/>
-          </a:stretch>
-        </p:blipFill>
-        <p:spPr>
-          <a:xfrm>
-            <a:off x="5088850" y="3542705"/>
-            <a:ext cx="531869" cy="531869"/>
-          </a:xfrm>
-          <a:prstGeom prst="rect">
-            <a:avLst/>
-          </a:prstGeom>
-          <a:solidFill>
-            <a:srgbClr val="002060"/>
-          </a:solidFill>
-        </p:spPr>
-      </p:pic>
       <p:sp>
         <p:nvSpPr>
           <p:cNvPr id="16" name="TextBox 15">
@@ -6149,43 +7078,146 @@
       </p:sp>
       <p:pic>
         <p:nvPicPr>
-          <p:cNvPr id="18" name="shot556_152_ch01_180718_164108_92_.wav">
-            <a:hlinkClick r:id="" action="ppaction://media"/>
-            <a:extLst>
-              <a:ext uri="{FF2B5EF4-FFF2-40B4-BE49-F238E27FC236}">
-                <a16:creationId xmlns:a16="http://schemas.microsoft.com/office/drawing/2014/main" id="{B5BEA4FC-7748-4CD4-0CFD-3A42ADCA5D78}"/>
+          <p:cNvPr id="10" name="Graphic 9" descr="Volume outline">
+            <a:extLst>
+              <a:ext uri="{FF2B5EF4-FFF2-40B4-BE49-F238E27FC236}">
+                <a16:creationId xmlns:a16="http://schemas.microsoft.com/office/drawing/2014/main" id="{4032D466-F46F-0825-D90E-536D23F6C49A}"/>
               </a:ext>
             </a:extLst>
           </p:cNvPr>
           <p:cNvPicPr>
             <a:picLocks noChangeAspect="1"/>
           </p:cNvPicPr>
-          <p:nvPr>
-            <a:audioFile r:link="rId8"/>
-            <p:extLst>
-              <p:ext uri="{DAA4B4D4-6D71-4841-9C94-3DE7FCFB9230}">
-                <p14:media xmlns:p14="http://schemas.microsoft.com/office/powerpoint/2010/main" r:embed="rId7"/>
-              </p:ext>
-            </p:extLst>
-          </p:nvPr>
+          <p:nvPr/>
         </p:nvPicPr>
         <p:blipFill>
-          <a:blip r:embed="rId10"/>
+          <a:blip r:embed="rId2">
+            <a:extLst>
+              <a:ext uri="{96DAC541-7B7A-43D3-8B79-37D633B846F1}">
+                <asvg:svgBlip xmlns:asvg="http://schemas.microsoft.com/office/drawing/2016/SVG/main" r:embed="rId3"/>
+              </a:ext>
+            </a:extLst>
+          </a:blip>
           <a:stretch>
             <a:fillRect/>
           </a:stretch>
         </p:blipFill>
         <p:spPr>
           <a:xfrm>
-            <a:off x="5650326" y="5084477"/>
-            <a:ext cx="531875" cy="531875"/>
+            <a:off x="4973970" y="3550402"/>
+            <a:ext cx="718467" cy="718467"/>
           </a:xfrm>
           <a:prstGeom prst="rect">
             <a:avLst/>
           </a:prstGeom>
-          <a:solidFill>
-            <a:srgbClr val="002060"/>
-          </a:solidFill>
+        </p:spPr>
+      </p:pic>
+      <p:pic>
+        <p:nvPicPr>
+          <p:cNvPr id="11" name="Graphic 10" descr="Volume outline">
+            <a:extLst>
+              <a:ext uri="{FF2B5EF4-FFF2-40B4-BE49-F238E27FC236}">
+                <a16:creationId xmlns:a16="http://schemas.microsoft.com/office/drawing/2014/main" id="{9FC245B8-308C-445D-1726-3F637ACA9995}"/>
+              </a:ext>
+            </a:extLst>
+          </p:cNvPr>
+          <p:cNvPicPr>
+            <a:picLocks noChangeAspect="1"/>
+          </p:cNvPicPr>
+          <p:nvPr/>
+        </p:nvPicPr>
+        <p:blipFill>
+          <a:blip r:embed="rId2">
+            <a:extLst>
+              <a:ext uri="{96DAC541-7B7A-43D3-8B79-37D633B846F1}">
+                <asvg:svgBlip xmlns:asvg="http://schemas.microsoft.com/office/drawing/2016/SVG/main" r:embed="rId3"/>
+              </a:ext>
+            </a:extLst>
+          </a:blip>
+          <a:stretch>
+            <a:fillRect/>
+          </a:stretch>
+        </p:blipFill>
+        <p:spPr>
+          <a:xfrm>
+            <a:off x="4453836" y="3148962"/>
+            <a:ext cx="718467" cy="718467"/>
+          </a:xfrm>
+          <a:prstGeom prst="rect">
+            <a:avLst/>
+          </a:prstGeom>
+        </p:spPr>
+      </p:pic>
+      <p:pic>
+        <p:nvPicPr>
+          <p:cNvPr id="20" name="Graphic 19" descr="Volume outline">
+            <a:extLst>
+              <a:ext uri="{FF2B5EF4-FFF2-40B4-BE49-F238E27FC236}">
+                <a16:creationId xmlns:a16="http://schemas.microsoft.com/office/drawing/2014/main" id="{4AB3CBD9-D3F8-A959-B2A8-9026DDDA9602}"/>
+              </a:ext>
+            </a:extLst>
+          </p:cNvPr>
+          <p:cNvPicPr>
+            <a:picLocks noChangeAspect="1"/>
+          </p:cNvPicPr>
+          <p:nvPr/>
+        </p:nvPicPr>
+        <p:blipFill>
+          <a:blip r:embed="rId2">
+            <a:extLst>
+              <a:ext uri="{96DAC541-7B7A-43D3-8B79-37D633B846F1}">
+                <asvg:svgBlip xmlns:asvg="http://schemas.microsoft.com/office/drawing/2016/SVG/main" r:embed="rId3"/>
+              </a:ext>
+            </a:extLst>
+          </a:blip>
+          <a:stretch>
+            <a:fillRect/>
+          </a:stretch>
+        </p:blipFill>
+        <p:spPr>
+          <a:xfrm>
+            <a:off x="5658110" y="5015553"/>
+            <a:ext cx="718467" cy="718467"/>
+          </a:xfrm>
+          <a:prstGeom prst="rect">
+            <a:avLst/>
+          </a:prstGeom>
+        </p:spPr>
+      </p:pic>
+      <p:pic>
+        <p:nvPicPr>
+          <p:cNvPr id="21" name="Graphic 20" descr="Volume outline">
+            <a:extLst>
+              <a:ext uri="{FF2B5EF4-FFF2-40B4-BE49-F238E27FC236}">
+                <a16:creationId xmlns:a16="http://schemas.microsoft.com/office/drawing/2014/main" id="{197EAF50-EA16-1940-DD88-BDB405C9D54A}"/>
+              </a:ext>
+            </a:extLst>
+          </p:cNvPr>
+          <p:cNvPicPr>
+            <a:picLocks noChangeAspect="1"/>
+          </p:cNvPicPr>
+          <p:nvPr/>
+        </p:nvPicPr>
+        <p:blipFill>
+          <a:blip r:embed="rId2">
+            <a:extLst>
+              <a:ext uri="{96DAC541-7B7A-43D3-8B79-37D633B846F1}">
+                <asvg:svgBlip xmlns:asvg="http://schemas.microsoft.com/office/drawing/2016/SVG/main" r:embed="rId3"/>
+              </a:ext>
+            </a:extLst>
+          </a:blip>
+          <a:stretch>
+            <a:fillRect/>
+          </a:stretch>
+        </p:blipFill>
+        <p:spPr>
+          <a:xfrm>
+            <a:off x="5545868" y="4384478"/>
+            <a:ext cx="718467" cy="718467"/>
+          </a:xfrm>
+          <a:prstGeom prst="rect">
+            <a:avLst/>
+          </a:prstGeom>
         </p:spPr>
       </p:pic>
     </p:spTree>
@@ -6198,256 +7230,10 @@
   <p:clrMapOvr>
     <a:masterClrMapping/>
   </p:clrMapOvr>
-  <p:timing>
-    <p:tnLst>
-      <p:par>
-        <p:cTn id="1" dur="indefinite" restart="never" nodeType="tmRoot">
-          <p:childTnLst>
-            <p:seq concurrent="1" nextAc="seek">
-              <p:cTn id="2" dur="indefinite" nodeType="mainSeq">
-                <p:childTnLst>
-                  <p:par>
-                    <p:cTn id="3" fill="hold">
-                      <p:stCondLst>
-                        <p:cond delay="indefinite"/>
-                      </p:stCondLst>
-                      <p:childTnLst>
-                        <p:par>
-                          <p:cTn id="4" fill="hold">
-                            <p:stCondLst>
-                              <p:cond delay="0"/>
-                            </p:stCondLst>
-                            <p:childTnLst>
-                              <p:par>
-                                <p:cTn id="5" presetID="1" presetClass="mediacall" presetSubtype="0" fill="hold" nodeType="clickEffect">
-                                  <p:stCondLst>
-                                    <p:cond delay="0"/>
-                                  </p:stCondLst>
-                                  <p:childTnLst>
-                                    <p:cmd type="call" cmd="playFrom(0.0)">
-                                      <p:cBhvr>
-                                        <p:cTn id="6" dur="10000" fill="hold"/>
-                                        <p:tgtEl>
-                                          <p:spTgt spid="13"/>
-                                        </p:tgtEl>
-                                      </p:cBhvr>
-                                    </p:cmd>
-                                  </p:childTnLst>
-                                </p:cTn>
-                              </p:par>
-                            </p:childTnLst>
-                          </p:cTn>
-                        </p:par>
-                      </p:childTnLst>
-                    </p:cTn>
-                  </p:par>
-                  <p:par>
-                    <p:cTn id="7" fill="hold">
-                      <p:stCondLst>
-                        <p:cond delay="indefinite"/>
-                      </p:stCondLst>
-                      <p:childTnLst>
-                        <p:par>
-                          <p:cTn id="8" fill="hold">
-                            <p:stCondLst>
-                              <p:cond delay="0"/>
-                            </p:stCondLst>
-                            <p:childTnLst>
-                              <p:par>
-                                <p:cTn id="9" presetID="1" presetClass="mediacall" presetSubtype="0" fill="hold" nodeType="clickEffect">
-                                  <p:stCondLst>
-                                    <p:cond delay="0"/>
-                                  </p:stCondLst>
-                                  <p:childTnLst>
-                                    <p:cmd type="call" cmd="playFrom(0.0)">
-                                      <p:cBhvr>
-                                        <p:cTn id="10" dur="10000" fill="hold"/>
-                                        <p:tgtEl>
-                                          <p:spTgt spid="14"/>
-                                        </p:tgtEl>
-                                      </p:cBhvr>
-                                    </p:cmd>
-                                  </p:childTnLst>
-                                </p:cTn>
-                              </p:par>
-                            </p:childTnLst>
-                          </p:cTn>
-                        </p:par>
-                      </p:childTnLst>
-                    </p:cTn>
-                  </p:par>
-                  <p:par>
-                    <p:cTn id="11" fill="hold">
-                      <p:stCondLst>
-                        <p:cond delay="indefinite"/>
-                      </p:stCondLst>
-                      <p:childTnLst>
-                        <p:par>
-                          <p:cTn id="12" fill="hold">
-                            <p:stCondLst>
-                              <p:cond delay="0"/>
-                            </p:stCondLst>
-                            <p:childTnLst>
-                              <p:par>
-                                <p:cTn id="13" presetID="1" presetClass="mediacall" presetSubtype="0" fill="hold" nodeType="clickEffect">
-                                  <p:stCondLst>
-                                    <p:cond delay="0"/>
-                                  </p:stCondLst>
-                                  <p:childTnLst>
-                                    <p:cmd type="call" cmd="playFrom(0.0)">
-                                      <p:cBhvr>
-                                        <p:cTn id="14" dur="10000" fill="hold"/>
-                                        <p:tgtEl>
-                                          <p:spTgt spid="15"/>
-                                        </p:tgtEl>
-                                      </p:cBhvr>
-                                    </p:cmd>
-                                  </p:childTnLst>
-                                </p:cTn>
-                              </p:par>
-                            </p:childTnLst>
-                          </p:cTn>
-                        </p:par>
-                      </p:childTnLst>
-                    </p:cTn>
-                  </p:par>
-                  <p:par>
-                    <p:cTn id="15" fill="hold">
-                      <p:stCondLst>
-                        <p:cond delay="indefinite"/>
-                      </p:stCondLst>
-                      <p:childTnLst>
-                        <p:par>
-                          <p:cTn id="16" fill="hold">
-                            <p:stCondLst>
-                              <p:cond delay="0"/>
-                            </p:stCondLst>
-                            <p:childTnLst>
-                              <p:par>
-                                <p:cTn id="17" presetID="1" presetClass="mediacall" presetSubtype="0" fill="hold" nodeType="clickEffect">
-                                  <p:stCondLst>
-                                    <p:cond delay="0"/>
-                                  </p:stCondLst>
-                                  <p:childTnLst>
-                                    <p:cmd type="call" cmd="playFrom(0.0)">
-                                      <p:cBhvr>
-                                        <p:cTn id="18" dur="10000" fill="hold"/>
-                                        <p:tgtEl>
-                                          <p:spTgt spid="18"/>
-                                        </p:tgtEl>
-                                      </p:cBhvr>
-                                    </p:cmd>
-                                  </p:childTnLst>
-                                </p:cTn>
-                              </p:par>
-                            </p:childTnLst>
-                          </p:cTn>
-                        </p:par>
-                      </p:childTnLst>
-                    </p:cTn>
-                  </p:par>
-                </p:childTnLst>
-              </p:cTn>
-              <p:prevCondLst>
-                <p:cond evt="onPrev" delay="0">
-                  <p:tgtEl>
-                    <p:sldTgt/>
-                  </p:tgtEl>
-                </p:cond>
-              </p:prevCondLst>
-              <p:nextCondLst>
-                <p:cond evt="onNext" delay="0">
-                  <p:tgtEl>
-                    <p:sldTgt/>
-                  </p:tgtEl>
-                </p:cond>
-              </p:nextCondLst>
-            </p:seq>
-            <p:audio>
-              <p:cMediaNode vol="80000">
-                <p:cTn id="19" fill="hold" display="0">
-                  <p:stCondLst>
-                    <p:cond delay="indefinite"/>
-                  </p:stCondLst>
-                  <p:endCondLst>
-                    <p:cond evt="onStopAudio" delay="0">
-                      <p:tgtEl>
-                        <p:sldTgt/>
-                      </p:tgtEl>
-                    </p:cond>
-                  </p:endCondLst>
-                </p:cTn>
-                <p:tgtEl>
-                  <p:spTgt spid="13"/>
-                </p:tgtEl>
-              </p:cMediaNode>
-            </p:audio>
-            <p:audio>
-              <p:cMediaNode vol="80000">
-                <p:cTn id="20" fill="hold" display="0">
-                  <p:stCondLst>
-                    <p:cond delay="indefinite"/>
-                  </p:stCondLst>
-                  <p:endCondLst>
-                    <p:cond evt="onStopAudio" delay="0">
-                      <p:tgtEl>
-                        <p:sldTgt/>
-                      </p:tgtEl>
-                    </p:cond>
-                  </p:endCondLst>
-                </p:cTn>
-                <p:tgtEl>
-                  <p:spTgt spid="14"/>
-                </p:tgtEl>
-              </p:cMediaNode>
-            </p:audio>
-            <p:audio>
-              <p:cMediaNode vol="80000">
-                <p:cTn id="21" fill="hold" display="0">
-                  <p:stCondLst>
-                    <p:cond delay="indefinite"/>
-                  </p:stCondLst>
-                  <p:endCondLst>
-                    <p:cond evt="onStopAudio" delay="0">
-                      <p:tgtEl>
-                        <p:sldTgt/>
-                      </p:tgtEl>
-                    </p:cond>
-                  </p:endCondLst>
-                </p:cTn>
-                <p:tgtEl>
-                  <p:spTgt spid="15"/>
-                </p:tgtEl>
-              </p:cMediaNode>
-            </p:audio>
-            <p:audio>
-              <p:cMediaNode vol="80000">
-                <p:cTn id="22" fill="hold" display="0">
-                  <p:stCondLst>
-                    <p:cond delay="indefinite"/>
-                  </p:stCondLst>
-                  <p:endCondLst>
-                    <p:cond evt="onStopAudio" delay="0">
-                      <p:tgtEl>
-                        <p:sldTgt/>
-                      </p:tgtEl>
-                    </p:cond>
-                  </p:endCondLst>
-                </p:cTn>
-                <p:tgtEl>
-                  <p:spTgt spid="18"/>
-                </p:tgtEl>
-              </p:cMediaNode>
-            </p:audio>
-          </p:childTnLst>
-        </p:cTn>
-      </p:par>
-    </p:tnLst>
-  </p:timing>
 </p:sld>
 </file>
 
-<file path=ppt/slides/slide5.xml><?xml version="1.0" encoding="utf-8"?>
+<file path=ppt/slides/slide6.xml><?xml version="1.0" encoding="utf-8"?>
 <p:sld xmlns:a="http://schemas.openxmlformats.org/drawingml/2006/main" xmlns:r="http://schemas.openxmlformats.org/officeDocument/2006/relationships" xmlns:p="http://schemas.openxmlformats.org/presentationml/2006/main">
   <p:cSld>
     <p:spTree>
@@ -7075,10 +7861,9 @@
               <a:buNone/>
             </a:pPr>
             <a:r>
-              <a:rPr lang="en-NL" sz="1800"/>
+              <a:rPr lang="en-NL" sz="1800" dirty="0"/>
               <a:t>‘Claxon’</a:t>
             </a:r>
-            <a:endParaRPr lang="en-NL" sz="1800" dirty="0"/>
           </a:p>
         </p:txBody>
       </p:sp>
@@ -7109,7 +7894,7 @@
           </a:ln>
           <a:extLst>
             <a:ext uri="{C572A759-6A51-4108-AA02-DFA0A04FC94B}">
-              <ma14:wrappingTextBoxFlag xmlns="" xmlns:m="http://schemas.openxmlformats.org/officeDocument/2006/math" xmlns:a14="http://schemas.microsoft.com/office/drawing/2010/main" xmlns:ma14="http://schemas.microsoft.com/office/mac/drawingml/2011/main" val="1"/>
+              <ma14:wrappingTextBoxFlag xmlns:ma14="http://schemas.microsoft.com/office/mac/drawingml/2011/main" xmlns:a14="http://schemas.microsoft.com/office/drawing/2010/main" xmlns:m="http://schemas.openxmlformats.org/officeDocument/2006/math" xmlns="" val="1"/>
             </a:ext>
           </a:extLst>
         </p:spPr>
@@ -7376,84 +8161,74 @@
       </p:sp>
       <p:pic>
         <p:nvPicPr>
-          <p:cNvPr id="13" name="claxon_10s_67.wav">
-            <a:hlinkClick r:id="" action="ppaction://media"/>
-            <a:extLst>
-              <a:ext uri="{FF2B5EF4-FFF2-40B4-BE49-F238E27FC236}">
-                <a16:creationId xmlns:a16="http://schemas.microsoft.com/office/drawing/2014/main" id="{D9325E5A-0C80-2D25-5334-F1505EE9C686}"/>
+          <p:cNvPr id="12" name="Graphic 11" descr="Volume outline">
+            <a:extLst>
+              <a:ext uri="{FF2B5EF4-FFF2-40B4-BE49-F238E27FC236}">
+                <a16:creationId xmlns:a16="http://schemas.microsoft.com/office/drawing/2014/main" id="{CC2343DE-DCEE-C7B9-C36A-D920A8D631B4}"/>
               </a:ext>
             </a:extLst>
           </p:cNvPr>
           <p:cNvPicPr>
             <a:picLocks noChangeAspect="1"/>
           </p:cNvPicPr>
-          <p:nvPr>
-            <a:audioFile r:link="rId2"/>
-            <p:extLst>
-              <p:ext uri="{DAA4B4D4-6D71-4841-9C94-3DE7FCFB9230}">
-                <p14:media xmlns:p14="http://schemas.microsoft.com/office/powerpoint/2010/main" r:embed="rId1"/>
-              </p:ext>
-            </p:extLst>
-          </p:nvPr>
+          <p:nvPr/>
         </p:nvPicPr>
         <p:blipFill>
-          <a:blip r:embed="rId6"/>
+          <a:blip r:embed="rId2">
+            <a:extLst>
+              <a:ext uri="{96DAC541-7B7A-43D3-8B79-37D633B846F1}">
+                <asvg:svgBlip xmlns:asvg="http://schemas.microsoft.com/office/drawing/2016/SVG/main" r:embed="rId3"/>
+              </a:ext>
+            </a:extLst>
+          </a:blip>
           <a:stretch>
             <a:fillRect/>
           </a:stretch>
         </p:blipFill>
         <p:spPr>
           <a:xfrm>
-            <a:off x="4469562" y="3096889"/>
-            <a:ext cx="531875" cy="531875"/>
+            <a:off x="5450306" y="4364916"/>
+            <a:ext cx="718467" cy="718467"/>
           </a:xfrm>
           <a:prstGeom prst="rect">
             <a:avLst/>
           </a:prstGeom>
-          <a:solidFill>
-            <a:srgbClr val="002060"/>
-          </a:solidFill>
         </p:spPr>
       </p:pic>
       <p:pic>
         <p:nvPicPr>
-          <p:cNvPr id="14" name="shot556_168_ch01_180718_164345_05_.wav">
-            <a:hlinkClick r:id="" action="ppaction://media"/>
-            <a:extLst>
-              <a:ext uri="{FF2B5EF4-FFF2-40B4-BE49-F238E27FC236}">
-                <a16:creationId xmlns:a16="http://schemas.microsoft.com/office/drawing/2014/main" id="{BC35CFD6-4012-4F6F-2A8E-46FE333BC1C9}"/>
+          <p:cNvPr id="15" name="Graphic 14" descr="Volume outline">
+            <a:extLst>
+              <a:ext uri="{FF2B5EF4-FFF2-40B4-BE49-F238E27FC236}">
+                <a16:creationId xmlns:a16="http://schemas.microsoft.com/office/drawing/2014/main" id="{262F3008-096C-6A96-4F0F-EBA5E87D02F8}"/>
               </a:ext>
             </a:extLst>
           </p:cNvPr>
           <p:cNvPicPr>
             <a:picLocks noChangeAspect="1"/>
           </p:cNvPicPr>
-          <p:nvPr>
-            <a:audioFile r:link="rId4"/>
-            <p:extLst>
-              <p:ext uri="{DAA4B4D4-6D71-4841-9C94-3DE7FCFB9230}">
-                <p14:media xmlns:p14="http://schemas.microsoft.com/office/powerpoint/2010/main" r:embed="rId3"/>
-              </p:ext>
-            </p:extLst>
-          </p:nvPr>
+          <p:nvPr/>
         </p:nvPicPr>
         <p:blipFill>
-          <a:blip r:embed="rId6"/>
+          <a:blip r:embed="rId2">
+            <a:extLst>
+              <a:ext uri="{96DAC541-7B7A-43D3-8B79-37D633B846F1}">
+                <asvg:svgBlip xmlns:asvg="http://schemas.microsoft.com/office/drawing/2016/SVG/main" r:embed="rId3"/>
+              </a:ext>
+            </a:extLst>
+          </a:blip>
           <a:stretch>
             <a:fillRect/>
           </a:stretch>
         </p:blipFill>
         <p:spPr>
           <a:xfrm>
-            <a:off x="5490070" y="4465803"/>
-            <a:ext cx="531875" cy="531875"/>
+            <a:off x="4453836" y="3148962"/>
+            <a:ext cx="718467" cy="718467"/>
           </a:xfrm>
           <a:prstGeom prst="rect">
             <a:avLst/>
           </a:prstGeom>
-          <a:solidFill>
-            <a:srgbClr val="002060"/>
-          </a:solidFill>
         </p:spPr>
       </p:pic>
     </p:spTree>
@@ -7466,148 +8241,10 @@
   <p:clrMapOvr>
     <a:masterClrMapping/>
   </p:clrMapOvr>
-  <p:timing>
-    <p:tnLst>
-      <p:par>
-        <p:cTn id="1" dur="indefinite" restart="never" nodeType="tmRoot">
-          <p:childTnLst>
-            <p:seq concurrent="1" nextAc="seek">
-              <p:cTn id="2" dur="indefinite" nodeType="mainSeq">
-                <p:childTnLst>
-                  <p:par>
-                    <p:cTn id="3" fill="hold">
-                      <p:stCondLst>
-                        <p:cond delay="indefinite"/>
-                      </p:stCondLst>
-                      <p:childTnLst>
-                        <p:par>
-                          <p:cTn id="4" fill="hold">
-                            <p:stCondLst>
-                              <p:cond delay="0"/>
-                            </p:stCondLst>
-                            <p:childTnLst>
-                              <p:par>
-                                <p:cTn id="5" presetID="1" presetClass="mediacall" presetSubtype="0" fill="hold" nodeType="clickEffect">
-                                  <p:stCondLst>
-                                    <p:cond delay="0"/>
-                                  </p:stCondLst>
-                                  <p:childTnLst>
-                                    <p:cmd type="call" cmd="playFrom(0.0)">
-                                      <p:cBhvr>
-                                        <p:cTn id="6" dur="10000" fill="hold"/>
-                                        <p:tgtEl>
-                                          <p:spTgt spid="13"/>
-                                        </p:tgtEl>
-                                      </p:cBhvr>
-                                    </p:cmd>
-                                  </p:childTnLst>
-                                </p:cTn>
-                              </p:par>
-                            </p:childTnLst>
-                          </p:cTn>
-                        </p:par>
-                      </p:childTnLst>
-                    </p:cTn>
-                  </p:par>
-                  <p:par>
-                    <p:cTn id="7" fill="hold">
-                      <p:stCondLst>
-                        <p:cond delay="indefinite"/>
-                      </p:stCondLst>
-                      <p:childTnLst>
-                        <p:par>
-                          <p:cTn id="8" fill="hold">
-                            <p:stCondLst>
-                              <p:cond delay="0"/>
-                            </p:stCondLst>
-                            <p:childTnLst>
-                              <p:par>
-                                <p:cTn id="9" presetID="1" presetClass="mediacall" presetSubtype="0" fill="hold" nodeType="clickEffect">
-                                  <p:stCondLst>
-                                    <p:cond delay="0"/>
-                                  </p:stCondLst>
-                                  <p:childTnLst>
-                                    <p:cmd type="call" cmd="playFrom(0.0)">
-                                      <p:cBhvr>
-                                        <p:cTn id="10" dur="10000" fill="hold"/>
-                                        <p:tgtEl>
-                                          <p:spTgt spid="14"/>
-                                        </p:tgtEl>
-                                      </p:cBhvr>
-                                    </p:cmd>
-                                  </p:childTnLst>
-                                </p:cTn>
-                              </p:par>
-                            </p:childTnLst>
-                          </p:cTn>
-                        </p:par>
-                      </p:childTnLst>
-                    </p:cTn>
-                  </p:par>
-                </p:childTnLst>
-              </p:cTn>
-              <p:prevCondLst>
-                <p:cond evt="onPrev" delay="0">
-                  <p:tgtEl>
-                    <p:sldTgt/>
-                  </p:tgtEl>
-                </p:cond>
-              </p:prevCondLst>
-              <p:nextCondLst>
-                <p:cond evt="onNext" delay="0">
-                  <p:tgtEl>
-                    <p:sldTgt/>
-                  </p:tgtEl>
-                </p:cond>
-              </p:nextCondLst>
-            </p:seq>
-            <p:audio>
-              <p:cMediaNode vol="80000">
-                <p:cTn id="11" fill="hold" display="0">
-                  <p:stCondLst>
-                    <p:cond delay="indefinite"/>
-                  </p:stCondLst>
-                  <p:endCondLst>
-                    <p:cond evt="onStopAudio" delay="0">
-                      <p:tgtEl>
-                        <p:sldTgt/>
-                      </p:tgtEl>
-                    </p:cond>
-                  </p:endCondLst>
-                </p:cTn>
-                <p:tgtEl>
-                  <p:spTgt spid="13"/>
-                </p:tgtEl>
-              </p:cMediaNode>
-            </p:audio>
-            <p:audio>
-              <p:cMediaNode vol="80000">
-                <p:cTn id="12" fill="hold" display="0">
-                  <p:stCondLst>
-                    <p:cond delay="indefinite"/>
-                  </p:stCondLst>
-                  <p:endCondLst>
-                    <p:cond evt="onStopAudio" delay="0">
-                      <p:tgtEl>
-                        <p:sldTgt/>
-                      </p:tgtEl>
-                    </p:cond>
-                  </p:endCondLst>
-                </p:cTn>
-                <p:tgtEl>
-                  <p:spTgt spid="14"/>
-                </p:tgtEl>
-              </p:cMediaNode>
-            </p:audio>
-          </p:childTnLst>
-        </p:cTn>
-      </p:par>
-    </p:tnLst>
-  </p:timing>
 </p:sld>
 </file>
 
-<file path=ppt/slides/slide6.xml><?xml version="1.0" encoding="utf-8"?>
+<file path=ppt/slides/slide7.xml><?xml version="1.0" encoding="utf-8"?>
 <p:sld xmlns:a="http://schemas.openxmlformats.org/drawingml/2006/main" xmlns:r="http://schemas.openxmlformats.org/officeDocument/2006/relationships" xmlns:p="http://schemas.openxmlformats.org/presentationml/2006/main">
   <p:cSld>
     <p:spTree>
@@ -7974,7 +8611,7 @@
                   <a:srgbClr val="002060"/>
                 </a:solidFill>
               </a:rPr>
-              <a:t>CLAP code:  </a:t>
+              <a:t>CLAP:  </a:t>
             </a:r>
             <a:r>
               <a:rPr lang="en-GB" dirty="0">
@@ -8024,7 +8661,7 @@
                 <a:solidFill>
                   <a:srgbClr val="002060"/>
                 </a:solidFill>
-                <a:hlinkClick r:id="rId4">
+                <a:hlinkClick r:id="rId2">
                   <a:extLst>
                     <a:ext uri="{A12FA001-AC4F-418D-AE19-62706E023703}">
                       <ahyp:hlinkClr xmlns:ahyp="http://schemas.microsoft.com/office/drawing/2018/hyperlinkcolor" val="tx"/>
@@ -8046,20 +8683,12 @@
               <a:buNone/>
             </a:pPr>
             <a:r>
-              <a:rPr lang="en-GB" dirty="0" err="1">
+              <a:rPr lang="en-GB" dirty="0">
                 <a:solidFill>
                   <a:srgbClr val="002060"/>
                 </a:solidFill>
               </a:rPr>
-              <a:t>Huggingface</a:t>
-            </a:r>
-            <a:r>
-              <a:rPr lang="en-GB" dirty="0">
-                <a:solidFill>
-                  <a:srgbClr val="002060"/>
-                </a:solidFill>
-              </a:rPr>
-              <a:t>:  https://</a:t>
+              <a:t>https://</a:t>
             </a:r>
             <a:r>
               <a:rPr lang="en-GB" dirty="0" err="1">
@@ -8451,43 +9080,38 @@
       </p:cxnSp>
       <p:pic>
         <p:nvPicPr>
-          <p:cNvPr id="10" name="claxon_10s_67.wav">
-            <a:hlinkClick r:id="" action="ppaction://media"/>
-            <a:extLst>
-              <a:ext uri="{FF2B5EF4-FFF2-40B4-BE49-F238E27FC236}">
-                <a16:creationId xmlns:a16="http://schemas.microsoft.com/office/drawing/2014/main" id="{C7288E36-7B3D-DCA8-C81F-9E106C2C8227}"/>
+          <p:cNvPr id="11" name="Graphic 10" descr="Volume outline">
+            <a:extLst>
+              <a:ext uri="{FF2B5EF4-FFF2-40B4-BE49-F238E27FC236}">
+                <a16:creationId xmlns:a16="http://schemas.microsoft.com/office/drawing/2014/main" id="{5DD353DD-BB38-DB49-BEEE-ECA836282635}"/>
               </a:ext>
             </a:extLst>
           </p:cNvPr>
           <p:cNvPicPr>
             <a:picLocks noChangeAspect="1"/>
           </p:cNvPicPr>
-          <p:nvPr>
-            <a:audioFile r:link="rId2"/>
-            <p:extLst>
-              <p:ext uri="{DAA4B4D4-6D71-4841-9C94-3DE7FCFB9230}">
-                <p14:media xmlns:p14="http://schemas.microsoft.com/office/powerpoint/2010/main" r:embed="rId1"/>
-              </p:ext>
-            </p:extLst>
-          </p:nvPr>
+          <p:nvPr/>
         </p:nvPicPr>
         <p:blipFill>
-          <a:blip r:embed="rId5"/>
+          <a:blip r:embed="rId3">
+            <a:extLst>
+              <a:ext uri="{96DAC541-7B7A-43D3-8B79-37D633B846F1}">
+                <asvg:svgBlip xmlns:asvg="http://schemas.microsoft.com/office/drawing/2016/SVG/main" r:embed="rId4"/>
+              </a:ext>
+            </a:extLst>
+          </a:blip>
           <a:stretch>
             <a:fillRect/>
           </a:stretch>
         </p:blipFill>
         <p:spPr>
           <a:xfrm>
-            <a:off x="999285" y="5156510"/>
-            <a:ext cx="531875" cy="531875"/>
+            <a:off x="970887" y="4884659"/>
+            <a:ext cx="989167" cy="989167"/>
           </a:xfrm>
           <a:prstGeom prst="rect">
             <a:avLst/>
           </a:prstGeom>
-          <a:solidFill>
-            <a:srgbClr val="002060"/>
-          </a:solidFill>
         </p:spPr>
       </p:pic>
     </p:spTree>
@@ -8851,41 +9475,6 @@
                       </p:childTnLst>
                     </p:cTn>
                   </p:par>
-                  <p:par>
-                    <p:cTn id="31" fill="hold">
-                      <p:stCondLst>
-                        <p:cond delay="indefinite"/>
-                      </p:stCondLst>
-                      <p:childTnLst>
-                        <p:par>
-                          <p:cTn id="32" fill="hold">
-                            <p:stCondLst>
-                              <p:cond delay="0"/>
-                            </p:stCondLst>
-                            <p:childTnLst>
-                              <p:par>
-                                <p:cTn id="33" presetID="1" presetClass="mediacall" presetSubtype="0" fill="hold" nodeType="clickEffect">
-                                  <p:stCondLst>
-                                    <p:cond delay="0"/>
-                                  </p:stCondLst>
-                                  <p:childTnLst>
-                                    <p:cmd type="call" cmd="playFrom(0.0)">
-                                      <p:cBhvr>
-                                        <p:cTn id="34" dur="10000" fill="hold"/>
-                                        <p:tgtEl>
-                                          <p:spTgt spid="10"/>
-                                        </p:tgtEl>
-                                      </p:cBhvr>
-                                    </p:cmd>
-                                  </p:childTnLst>
-                                </p:cTn>
-                              </p:par>
-                            </p:childTnLst>
-                          </p:cTn>
-                        </p:par>
-                      </p:childTnLst>
-                    </p:cTn>
-                  </p:par>
                 </p:childTnLst>
               </p:cTn>
               <p:prevCondLst>
@@ -8903,25 +9492,6 @@
                 </p:cond>
               </p:nextCondLst>
             </p:seq>
-            <p:audio>
-              <p:cMediaNode vol="80000">
-                <p:cTn id="35" fill="hold" display="0">
-                  <p:stCondLst>
-                    <p:cond delay="indefinite"/>
-                  </p:stCondLst>
-                  <p:endCondLst>
-                    <p:cond evt="onStopAudio" delay="0">
-                      <p:tgtEl>
-                        <p:sldTgt/>
-                      </p:tgtEl>
-                    </p:cond>
-                  </p:endCondLst>
-                </p:cTn>
-                <p:tgtEl>
-                  <p:spTgt spid="10"/>
-                </p:tgtEl>
-              </p:cMediaNode>
-            </p:audio>
           </p:childTnLst>
         </p:cTn>
       </p:par>

--- a/images/CLAP_preso.pptx
+++ b/images/CLAP_preso.pptx
@@ -118,14 +118,6 @@
 </p:presentation>
 </file>
 
-<file path=ppt/revisionInfo.xml><?xml version="1.0" encoding="utf-8"?>
-<p1510:revInfo xmlns:a="http://schemas.openxmlformats.org/drawingml/2006/main" xmlns:r="http://schemas.openxmlformats.org/officeDocument/2006/relationships" xmlns:p1510="http://schemas.microsoft.com/office/powerpoint/2015/10/main">
-  <p1510:revLst>
-    <p1510:client id="{FA87EAA5-9E1B-6C44-BAAD-BD47D3F864DD}" v="24" dt="2025-02-26T19:59:29.330"/>
-  </p1510:revLst>
-</p1510:revInfo>
-</file>
-
 <file path=ppt/changesInfos/changesInfo1.xml><?xml version="1.0" encoding="utf-8"?>
 <pc:chgInfo xmlns:a="http://schemas.openxmlformats.org/drawingml/2006/main" xmlns:r="http://schemas.openxmlformats.org/officeDocument/2006/relationships" xmlns:ac="http://schemas.microsoft.com/office/drawing/2013/main/command" xmlns:pc="http://schemas.microsoft.com/office/powerpoint/2013/main/command">
   <pc:docChgLst>
@@ -149,14 +141,6 @@
             <ac:spMk id="4" creationId="{BDFC37FB-07E5-DF12-40C1-EA6B94BBF23E}"/>
           </ac:spMkLst>
         </pc:spChg>
-        <pc:picChg chg="add del mod">
-          <ac:chgData name="Michiel Bontenbal" userId="57333c6a-db0f-4197-a30b-f003c0e68cb1" providerId="ADAL" clId="{FA87EAA5-9E1B-6C44-BAAD-BD47D3F864DD}" dt="2025-02-26T19:51:54.009" v="174" actId="21"/>
-          <ac:picMkLst>
-            <pc:docMk/>
-            <pc:sldMk cId="3894108369" sldId="551"/>
-            <ac:picMk id="3" creationId="{901D7160-A0D7-BE4F-280F-D1F737D40C30}"/>
-          </ac:picMkLst>
-        </pc:picChg>
         <pc:picChg chg="add del">
           <ac:chgData name="Michiel Bontenbal" userId="57333c6a-db0f-4197-a30b-f003c0e68cb1" providerId="ADAL" clId="{FA87EAA5-9E1B-6C44-BAAD-BD47D3F864DD}" dt="2025-02-26T19:56:33.750" v="219" actId="478"/>
           <ac:picMkLst>
@@ -204,22 +188,6 @@
             <ac:picMk id="3" creationId="{7D1357F3-BEA5-7A51-FC8F-70A013870EAD}"/>
           </ac:picMkLst>
         </pc:picChg>
-        <pc:picChg chg="add del mod">
-          <ac:chgData name="Michiel Bontenbal" userId="57333c6a-db0f-4197-a30b-f003c0e68cb1" providerId="ADAL" clId="{FA87EAA5-9E1B-6C44-BAAD-BD47D3F864DD}" dt="2025-02-26T19:48:28.918" v="102" actId="478"/>
-          <ac:picMkLst>
-            <pc:docMk/>
-            <pc:sldMk cId="103388893" sldId="552"/>
-            <ac:picMk id="14" creationId="{D26B6FCA-7F0A-E527-7391-F987B810E94A}"/>
-          </ac:picMkLst>
-        </pc:picChg>
-        <pc:picChg chg="del mod">
-          <ac:chgData name="Michiel Bontenbal" userId="57333c6a-db0f-4197-a30b-f003c0e68cb1" providerId="ADAL" clId="{FA87EAA5-9E1B-6C44-BAAD-BD47D3F864DD}" dt="2025-02-26T19:42:07.606" v="3" actId="478"/>
-          <ac:picMkLst>
-            <pc:docMk/>
-            <pc:sldMk cId="103388893" sldId="552"/>
-            <ac:picMk id="15" creationId="{6E365A98-40BE-48CD-C0A6-2A34129E520C}"/>
-          </ac:picMkLst>
-        </pc:picChg>
         <pc:picChg chg="add mod">
           <ac:chgData name="Michiel Bontenbal" userId="57333c6a-db0f-4197-a30b-f003c0e68cb1" providerId="ADAL" clId="{FA87EAA5-9E1B-6C44-BAAD-BD47D3F864DD}" dt="2025-02-26T19:53:30.745" v="181" actId="1076"/>
           <ac:picMkLst>
@@ -241,22 +209,6 @@
             <pc:docMk/>
             <pc:sldMk cId="3701220074" sldId="553"/>
             <ac:picMk id="12" creationId="{CC2343DE-DCEE-C7B9-C36A-D920A8D631B4}"/>
-          </ac:picMkLst>
-        </pc:picChg>
-        <pc:picChg chg="del">
-          <ac:chgData name="Michiel Bontenbal" userId="57333c6a-db0f-4197-a30b-f003c0e68cb1" providerId="ADAL" clId="{FA87EAA5-9E1B-6C44-BAAD-BD47D3F864DD}" dt="2025-02-26T19:54:44.568" v="204" actId="478"/>
-          <ac:picMkLst>
-            <pc:docMk/>
-            <pc:sldMk cId="3701220074" sldId="553"/>
-            <ac:picMk id="13" creationId="{D9325E5A-0C80-2D25-5334-F1505EE9C686}"/>
-          </ac:picMkLst>
-        </pc:picChg>
-        <pc:picChg chg="del">
-          <ac:chgData name="Michiel Bontenbal" userId="57333c6a-db0f-4197-a30b-f003c0e68cb1" providerId="ADAL" clId="{FA87EAA5-9E1B-6C44-BAAD-BD47D3F864DD}" dt="2025-02-26T19:54:46.086" v="205" actId="478"/>
-          <ac:picMkLst>
-            <pc:docMk/>
-            <pc:sldMk cId="3701220074" sldId="553"/>
-            <ac:picMk id="14" creationId="{BC35CFD6-4012-4F6F-2A8E-46FE333BC1C9}"/>
           </ac:picMkLst>
         </pc:picChg>
         <pc:picChg chg="add mod">
@@ -282,14 +234,6 @@
             <ac:spMk id="3" creationId="{1A8177A1-7E5B-0146-F44B-C678AF12BD8C}"/>
           </ac:spMkLst>
         </pc:spChg>
-        <pc:picChg chg="del">
-          <ac:chgData name="Michiel Bontenbal" userId="57333c6a-db0f-4197-a30b-f003c0e68cb1" providerId="ADAL" clId="{FA87EAA5-9E1B-6C44-BAAD-BD47D3F864DD}" dt="2025-02-26T19:59:28.012" v="229" actId="478"/>
-          <ac:picMkLst>
-            <pc:docMk/>
-            <pc:sldMk cId="3158416259" sldId="554"/>
-            <ac:picMk id="10" creationId="{C7288E36-7B3D-DCA8-C81F-9E106C2C8227}"/>
-          </ac:picMkLst>
-        </pc:picChg>
         <pc:picChg chg="add mod">
           <ac:chgData name="Michiel Bontenbal" userId="57333c6a-db0f-4197-a30b-f003c0e68cb1" providerId="ADAL" clId="{FA87EAA5-9E1B-6C44-BAAD-BD47D3F864DD}" dt="2025-02-26T19:59:44.668" v="235" actId="1076"/>
           <ac:picMkLst>
@@ -319,54 +263,6 @@
             <pc:docMk/>
             <pc:sldMk cId="1530750576" sldId="556"/>
             <ac:picMk id="11" creationId="{9FC245B8-308C-445D-1726-3F637ACA9995}"/>
-          </ac:picMkLst>
-        </pc:picChg>
-        <pc:picChg chg="add del mod">
-          <ac:chgData name="Michiel Bontenbal" userId="57333c6a-db0f-4197-a30b-f003c0e68cb1" providerId="ADAL" clId="{FA87EAA5-9E1B-6C44-BAAD-BD47D3F864DD}" dt="2025-02-26T19:54:18.666" v="194" actId="478"/>
-          <ac:picMkLst>
-            <pc:docMk/>
-            <pc:sldMk cId="1530750576" sldId="556"/>
-            <ac:picMk id="12" creationId="{EF4CD30E-B9D4-E00C-1378-BCF997546954}"/>
-          </ac:picMkLst>
-        </pc:picChg>
-        <pc:picChg chg="del">
-          <ac:chgData name="Michiel Bontenbal" userId="57333c6a-db0f-4197-a30b-f003c0e68cb1" providerId="ADAL" clId="{FA87EAA5-9E1B-6C44-BAAD-BD47D3F864DD}" dt="2025-02-26T19:53:48.218" v="182" actId="478"/>
-          <ac:picMkLst>
-            <pc:docMk/>
-            <pc:sldMk cId="1530750576" sldId="556"/>
-            <ac:picMk id="13" creationId="{0100AF63-63B3-B965-32FE-B10A740AE095}"/>
-          </ac:picMkLst>
-        </pc:picChg>
-        <pc:picChg chg="del">
-          <ac:chgData name="Michiel Bontenbal" userId="57333c6a-db0f-4197-a30b-f003c0e68cb1" providerId="ADAL" clId="{FA87EAA5-9E1B-6C44-BAAD-BD47D3F864DD}" dt="2025-02-26T19:53:51.279" v="184" actId="478"/>
-          <ac:picMkLst>
-            <pc:docMk/>
-            <pc:sldMk cId="1530750576" sldId="556"/>
-            <ac:picMk id="14" creationId="{1F8A3287-7E82-A5D0-9682-6EA0986B7BB5}"/>
-          </ac:picMkLst>
-        </pc:picChg>
-        <pc:picChg chg="del">
-          <ac:chgData name="Michiel Bontenbal" userId="57333c6a-db0f-4197-a30b-f003c0e68cb1" providerId="ADAL" clId="{FA87EAA5-9E1B-6C44-BAAD-BD47D3F864DD}" dt="2025-02-26T19:53:49.797" v="183" actId="478"/>
-          <ac:picMkLst>
-            <pc:docMk/>
-            <pc:sldMk cId="1530750576" sldId="556"/>
-            <ac:picMk id="15" creationId="{B682BC8C-81E0-0EC6-8932-60B0226E375E}"/>
-          </ac:picMkLst>
-        </pc:picChg>
-        <pc:picChg chg="del">
-          <ac:chgData name="Michiel Bontenbal" userId="57333c6a-db0f-4197-a30b-f003c0e68cb1" providerId="ADAL" clId="{FA87EAA5-9E1B-6C44-BAAD-BD47D3F864DD}" dt="2025-02-26T19:53:54.861" v="185" actId="478"/>
-          <ac:picMkLst>
-            <pc:docMk/>
-            <pc:sldMk cId="1530750576" sldId="556"/>
-            <ac:picMk id="18" creationId="{B5BEA4FC-7748-4CD4-0CFD-3A42ADCA5D78}"/>
-          </ac:picMkLst>
-        </pc:picChg>
-        <pc:picChg chg="add del mod">
-          <ac:chgData name="Michiel Bontenbal" userId="57333c6a-db0f-4197-a30b-f003c0e68cb1" providerId="ADAL" clId="{FA87EAA5-9E1B-6C44-BAAD-BD47D3F864DD}" dt="2025-02-26T19:54:16.862" v="193" actId="478"/>
-          <ac:picMkLst>
-            <pc:docMk/>
-            <pc:sldMk cId="1530750576" sldId="556"/>
-            <ac:picMk id="19" creationId="{A15FA23D-FCA0-1326-89BA-BA59CD01FF07}"/>
           </ac:picMkLst>
         </pc:picChg>
         <pc:picChg chg="add mod">
@@ -408,14 +304,45 @@
             <ac:picMk id="2" creationId="{D6A9E0F6-31F8-0E3B-2541-0232275B2D56}"/>
           </ac:picMkLst>
         </pc:picChg>
-        <pc:picChg chg="del">
-          <ac:chgData name="Michiel Bontenbal" userId="57333c6a-db0f-4197-a30b-f003c0e68cb1" providerId="ADAL" clId="{FA87EAA5-9E1B-6C44-BAAD-BD47D3F864DD}" dt="2025-02-26T19:56:49.181" v="222" actId="478"/>
-          <ac:picMkLst>
+      </pc:sldChg>
+    </pc:docChg>
+  </pc:docChgLst>
+  <pc:docChgLst>
+    <pc:chgData name="Michiel Bontenbal" userId="57333c6a-db0f-4197-a30b-f003c0e68cb1" providerId="ADAL" clId="{5AD089D8-FEC3-AF4A-981E-6E38A0306CED}"/>
+    <pc:docChg chg="modSld">
+      <pc:chgData name="Michiel Bontenbal" userId="57333c6a-db0f-4197-a30b-f003c0e68cb1" providerId="ADAL" clId="{5AD089D8-FEC3-AF4A-981E-6E38A0306CED}" dt="2025-05-01T16:49:50.051" v="4" actId="1076"/>
+      <pc:docMkLst>
+        <pc:docMk/>
+      </pc:docMkLst>
+      <pc:sldChg chg="modSp mod">
+        <pc:chgData name="Michiel Bontenbal" userId="57333c6a-db0f-4197-a30b-f003c0e68cb1" providerId="ADAL" clId="{5AD089D8-FEC3-AF4A-981E-6E38A0306CED}" dt="2025-05-01T16:49:50.051" v="4" actId="1076"/>
+        <pc:sldMkLst>
+          <pc:docMk/>
+          <pc:sldMk cId="3701220074" sldId="553"/>
+        </pc:sldMkLst>
+        <pc:spChg chg="mod">
+          <ac:chgData name="Michiel Bontenbal" userId="57333c6a-db0f-4197-a30b-f003c0e68cb1" providerId="ADAL" clId="{5AD089D8-FEC3-AF4A-981E-6E38A0306CED}" dt="2025-05-01T16:49:50.051" v="4" actId="1076"/>
+          <ac:spMkLst>
             <pc:docMk/>
-            <pc:sldMk cId="713330351" sldId="557"/>
-            <ac:picMk id="8" creationId="{37118012-4E8A-623A-3343-ED600639A663}"/>
-          </ac:picMkLst>
-        </pc:picChg>
+            <pc:sldMk cId="3701220074" sldId="553"/>
+            <ac:spMk id="2" creationId="{10FCE67E-4E3A-2ECC-77ED-B27F0ADA37F2}"/>
+          </ac:spMkLst>
+        </pc:spChg>
+      </pc:sldChg>
+      <pc:sldChg chg="modSp mod">
+        <pc:chgData name="Michiel Bontenbal" userId="57333c6a-db0f-4197-a30b-f003c0e68cb1" providerId="ADAL" clId="{5AD089D8-FEC3-AF4A-981E-6E38A0306CED}" dt="2025-05-01T16:48:26.608" v="1" actId="403"/>
+        <pc:sldMkLst>
+          <pc:docMk/>
+          <pc:sldMk cId="3158416259" sldId="554"/>
+        </pc:sldMkLst>
+        <pc:spChg chg="mod">
+          <ac:chgData name="Michiel Bontenbal" userId="57333c6a-db0f-4197-a30b-f003c0e68cb1" providerId="ADAL" clId="{5AD089D8-FEC3-AF4A-981E-6E38A0306CED}" dt="2025-05-01T16:48:26.608" v="1" actId="403"/>
+          <ac:spMkLst>
+            <pc:docMk/>
+            <pc:sldMk cId="3158416259" sldId="554"/>
+            <ac:spMk id="2" creationId="{9A85251A-7107-C09C-F720-F48989986FC8}"/>
+          </ac:spMkLst>
+        </pc:spChg>
       </pc:sldChg>
     </pc:docChg>
   </pc:docChgLst>
@@ -571,7 +498,7 @@
           <a:p>
             <a:fld id="{2ED51A7A-A0CB-E84F-A3FB-40ACEA03344E}" type="datetimeFigureOut">
               <a:rPr lang="en-NL" smtClean="0"/>
-              <a:t>26/02/2025</a:t>
+              <a:t>01/05/2025</a:t>
             </a:fld>
             <a:endParaRPr lang="en-NL"/>
           </a:p>
@@ -771,7 +698,7 @@
           <a:p>
             <a:fld id="{2ED51A7A-A0CB-E84F-A3FB-40ACEA03344E}" type="datetimeFigureOut">
               <a:rPr lang="en-NL" smtClean="0"/>
-              <a:t>26/02/2025</a:t>
+              <a:t>01/05/2025</a:t>
             </a:fld>
             <a:endParaRPr lang="en-NL"/>
           </a:p>
@@ -981,7 +908,7 @@
           <a:p>
             <a:fld id="{2ED51A7A-A0CB-E84F-A3FB-40ACEA03344E}" type="datetimeFigureOut">
               <a:rPr lang="en-NL" smtClean="0"/>
-              <a:t>26/02/2025</a:t>
+              <a:t>01/05/2025</a:t>
             </a:fld>
             <a:endParaRPr lang="en-NL"/>
           </a:p>
@@ -1181,7 +1108,7 @@
           <a:p>
             <a:fld id="{2ED51A7A-A0CB-E84F-A3FB-40ACEA03344E}" type="datetimeFigureOut">
               <a:rPr lang="en-NL" smtClean="0"/>
-              <a:t>26/02/2025</a:t>
+              <a:t>01/05/2025</a:t>
             </a:fld>
             <a:endParaRPr lang="en-NL"/>
           </a:p>
@@ -1457,7 +1384,7 @@
           <a:p>
             <a:fld id="{2ED51A7A-A0CB-E84F-A3FB-40ACEA03344E}" type="datetimeFigureOut">
               <a:rPr lang="en-NL" smtClean="0"/>
-              <a:t>26/02/2025</a:t>
+              <a:t>01/05/2025</a:t>
             </a:fld>
             <a:endParaRPr lang="en-NL"/>
           </a:p>
@@ -1725,7 +1652,7 @@
           <a:p>
             <a:fld id="{2ED51A7A-A0CB-E84F-A3FB-40ACEA03344E}" type="datetimeFigureOut">
               <a:rPr lang="en-NL" smtClean="0"/>
-              <a:t>26/02/2025</a:t>
+              <a:t>01/05/2025</a:t>
             </a:fld>
             <a:endParaRPr lang="en-NL"/>
           </a:p>
@@ -2140,7 +2067,7 @@
           <a:p>
             <a:fld id="{2ED51A7A-A0CB-E84F-A3FB-40ACEA03344E}" type="datetimeFigureOut">
               <a:rPr lang="en-NL" smtClean="0"/>
-              <a:t>26/02/2025</a:t>
+              <a:t>01/05/2025</a:t>
             </a:fld>
             <a:endParaRPr lang="en-NL"/>
           </a:p>
@@ -2282,7 +2209,7 @@
           <a:p>
             <a:fld id="{2ED51A7A-A0CB-E84F-A3FB-40ACEA03344E}" type="datetimeFigureOut">
               <a:rPr lang="en-NL" smtClean="0"/>
-              <a:t>26/02/2025</a:t>
+              <a:t>01/05/2025</a:t>
             </a:fld>
             <a:endParaRPr lang="en-NL"/>
           </a:p>
@@ -2395,7 +2322,7 @@
           <a:p>
             <a:fld id="{2ED51A7A-A0CB-E84F-A3FB-40ACEA03344E}" type="datetimeFigureOut">
               <a:rPr lang="en-NL" smtClean="0"/>
-              <a:t>26/02/2025</a:t>
+              <a:t>01/05/2025</a:t>
             </a:fld>
             <a:endParaRPr lang="en-NL"/>
           </a:p>
@@ -2708,7 +2635,7 @@
           <a:p>
             <a:fld id="{2ED51A7A-A0CB-E84F-A3FB-40ACEA03344E}" type="datetimeFigureOut">
               <a:rPr lang="en-NL" smtClean="0"/>
-              <a:t>26/02/2025</a:t>
+              <a:t>01/05/2025</a:t>
             </a:fld>
             <a:endParaRPr lang="en-NL"/>
           </a:p>
@@ -2997,7 +2924,7 @@
           <a:p>
             <a:fld id="{2ED51A7A-A0CB-E84F-A3FB-40ACEA03344E}" type="datetimeFigureOut">
               <a:rPr lang="en-NL" smtClean="0"/>
-              <a:t>26/02/2025</a:t>
+              <a:t>01/05/2025</a:t>
             </a:fld>
             <a:endParaRPr lang="en-NL"/>
           </a:p>
@@ -3240,7 +3167,7 @@
           <a:p>
             <a:fld id="{2ED51A7A-A0CB-E84F-A3FB-40ACEA03344E}" type="datetimeFigureOut">
               <a:rPr lang="en-NL" smtClean="0"/>
-              <a:t>26/02/2025</a:t>
+              <a:t>01/05/2025</a:t>
             </a:fld>
             <a:endParaRPr lang="en-NL"/>
           </a:p>
@@ -3830,7 +3757,7 @@
           </a:ln>
           <a:extLst>
             <a:ext uri="{C572A759-6A51-4108-AA02-DFA0A04FC94B}">
-              <ma14:wrappingTextBoxFlag xmlns="" xmlns:m="http://schemas.openxmlformats.org/officeDocument/2006/math" xmlns:a14="http://schemas.microsoft.com/office/drawing/2010/main" xmlns:ma14="http://schemas.microsoft.com/office/mac/drawingml/2011/main" val="1"/>
+              <ma14:wrappingTextBoxFlag xmlns:ma14="http://schemas.microsoft.com/office/mac/drawingml/2011/main" xmlns:a14="http://schemas.microsoft.com/office/drawing/2010/main" xmlns:m="http://schemas.openxmlformats.org/officeDocument/2006/math" xmlns="" val="1"/>
             </a:ext>
           </a:extLst>
         </p:spPr>
@@ -4695,7 +4622,7 @@
           </a:ln>
           <a:extLst>
             <a:ext uri="{C572A759-6A51-4108-AA02-DFA0A04FC94B}">
-              <ma14:wrappingTextBoxFlag xmlns="" xmlns:m="http://schemas.openxmlformats.org/officeDocument/2006/math" xmlns:a14="http://schemas.microsoft.com/office/drawing/2010/main" xmlns:ma14="http://schemas.microsoft.com/office/mac/drawingml/2011/main" val="1"/>
+              <ma14:wrappingTextBoxFlag xmlns:ma14="http://schemas.microsoft.com/office/mac/drawingml/2011/main" xmlns:a14="http://schemas.microsoft.com/office/drawing/2010/main" xmlns:m="http://schemas.openxmlformats.org/officeDocument/2006/math" xmlns="" val="1"/>
             </a:ext>
           </a:extLst>
         </p:spPr>
@@ -7266,7 +7193,7 @@
         </p:nvSpPr>
         <p:spPr>
           <a:xfrm>
-            <a:off x="452582" y="1250247"/>
+            <a:off x="1905521" y="934812"/>
             <a:ext cx="10646364" cy="1477810"/>
           </a:xfrm>
           <a:prstGeom prst="rect">
@@ -7301,7 +7228,17 @@
                   <a:srgbClr val="002060"/>
                 </a:solidFill>
               </a:rPr>
-              <a:t>In ‘vector space’ texts and images with similar meaning are close.</a:t>
+              <a:t>In ‘vector space’ texts and images </a:t>
+            </a:r>
+          </a:p>
+          <a:p>
+            <a:r>
+              <a:rPr lang="en-NL" dirty="0">
+                <a:solidFill>
+                  <a:srgbClr val="002060"/>
+                </a:solidFill>
+              </a:rPr>
+              <a:t>with similar meaning are close.</a:t>
             </a:r>
           </a:p>
         </p:txBody>
@@ -7894,7 +7831,7 @@
           </a:ln>
           <a:extLst>
             <a:ext uri="{C572A759-6A51-4108-AA02-DFA0A04FC94B}">
-              <ma14:wrappingTextBoxFlag xmlns:ma14="http://schemas.microsoft.com/office/mac/drawingml/2011/main" xmlns:a14="http://schemas.microsoft.com/office/drawing/2010/main" xmlns:m="http://schemas.openxmlformats.org/officeDocument/2006/math" xmlns="" val="1"/>
+              <ma14:wrappingTextBoxFlag xmlns="" xmlns:m="http://schemas.openxmlformats.org/officeDocument/2006/math" xmlns:a14="http://schemas.microsoft.com/office/drawing/2010/main" xmlns:ma14="http://schemas.microsoft.com/office/mac/drawingml/2011/main" val="1"/>
             </a:ext>
           </a:extLst>
         </p:spPr>
@@ -8314,7 +8251,7 @@
                   <a:srgbClr val="002060"/>
                 </a:solidFill>
               </a:rPr>
-              <a:t>We will use a model called </a:t>
+              <a:t>We use a model called </a:t>
             </a:r>
             <a:r>
               <a:rPr lang="en-NL" sz="4000" b="1" dirty="0">
@@ -8340,7 +8277,7 @@
               </a:rPr>
             </a:br>
             <a:r>
-              <a:rPr lang="en-GB" sz="2400" dirty="0">
+              <a:rPr lang="en-GB" sz="2500" dirty="0">
                 <a:solidFill>
                   <a:srgbClr val="002060"/>
                 </a:solidFill>
